--- a/一生愛你_中文版.pptx
+++ b/一生愛你_中文版.pptx
@@ -2,13 +2,13 @@
 <file path=ppt/presentation.xml><?xml version="1.0" encoding="utf-8"?>
 <p:presentation xmlns:a="http://schemas.openxmlformats.org/drawingml/2006/main" xmlns:r="http://schemas.openxmlformats.org/officeDocument/2006/relationships" xmlns:p="http://schemas.openxmlformats.org/presentationml/2006/main" saveSubsetFonts="1">
   <p:sldMasterIdLst>
-    <p:sldMasterId id="2147483648" r:id="rId1"/>
+    <p:sldMasterId id="2147483660" r:id="rId1"/>
   </p:sldMasterIdLst>
   <p:sldIdLst>
     <p:sldId id="257" r:id="rId2"/>
     <p:sldId id="258" r:id="rId3"/>
   </p:sldIdLst>
-  <p:sldSz cx="9144000" cy="6858000" type="screen4x3"/>
+  <p:sldSz cx="9144000" cy="5143500" type="screen16x9"/>
   <p:notesSz cx="6858000" cy="9144000"/>
   <p:defaultTextStyle>
     <a:defPPr>
@@ -137,8 +137,8 @@
         </p:nvSpPr>
         <p:spPr>
           <a:xfrm>
-            <a:off x="685800" y="2130425"/>
-            <a:ext cx="7772400" cy="1470025"/>
+            <a:off x="685800" y="1597819"/>
+            <a:ext cx="7772400" cy="1102519"/>
           </a:xfrm>
         </p:spPr>
         <p:txBody>
@@ -165,8 +165,8 @@
         </p:nvSpPr>
         <p:spPr>
           <a:xfrm>
-            <a:off x="1371600" y="3886200"/>
-            <a:ext cx="6400800" cy="1752600"/>
+            <a:off x="1371600" y="2914650"/>
+            <a:ext cx="6400800" cy="1314450"/>
           </a:xfrm>
         </p:spPr>
         <p:txBody>
@@ -289,7 +289,8 @@
           <a:p>
             <a:fld id="{DA729DBD-F3C4-41A6-8963-2EABA132BA7E}" type="datetimeFigureOut">
               <a:rPr lang="zh-TW" altLang="en-US" smtClean="0"/>
-              <a:t>2018/6/5</a:t>
+              <a:pPr/>
+              <a:t>2020/5/19</a:t>
             </a:fld>
             <a:endParaRPr lang="zh-TW" altLang="en-US"/>
           </a:p>
@@ -331,6 +332,7 @@
           <a:p>
             <a:fld id="{ACB5066D-BB75-428F-892D-9E06EF7E30C1}" type="slidenum">
               <a:rPr lang="zh-TW" altLang="en-US" smtClean="0"/>
+              <a:pPr/>
               <a:t>‹#›</a:t>
             </a:fld>
             <a:endParaRPr lang="zh-TW" altLang="en-US"/>
@@ -454,7 +456,8 @@
           <a:p>
             <a:fld id="{DA729DBD-F3C4-41A6-8963-2EABA132BA7E}" type="datetimeFigureOut">
               <a:rPr lang="zh-TW" altLang="en-US" smtClean="0"/>
-              <a:t>2018/6/5</a:t>
+              <a:pPr/>
+              <a:t>2020/5/19</a:t>
             </a:fld>
             <a:endParaRPr lang="zh-TW" altLang="en-US"/>
           </a:p>
@@ -496,6 +499,7 @@
           <a:p>
             <a:fld id="{ACB5066D-BB75-428F-892D-9E06EF7E30C1}" type="slidenum">
               <a:rPr lang="zh-TW" altLang="en-US" smtClean="0"/>
+              <a:pPr/>
               <a:t>‹#›</a:t>
             </a:fld>
             <a:endParaRPr lang="zh-TW" altLang="en-US"/>
@@ -539,8 +543,8 @@
         </p:nvSpPr>
         <p:spPr>
           <a:xfrm>
-            <a:off x="6629400" y="274638"/>
-            <a:ext cx="2057400" cy="5851525"/>
+            <a:off x="6629400" y="205979"/>
+            <a:ext cx="2057400" cy="4388644"/>
           </a:xfrm>
         </p:spPr>
         <p:txBody>
@@ -567,8 +571,8 @@
         </p:nvSpPr>
         <p:spPr>
           <a:xfrm>
-            <a:off x="457200" y="274638"/>
-            <a:ext cx="6019800" cy="5851525"/>
+            <a:off x="457200" y="205979"/>
+            <a:ext cx="6019800" cy="4388644"/>
           </a:xfrm>
         </p:spPr>
         <p:txBody>
@@ -629,7 +633,8 @@
           <a:p>
             <a:fld id="{DA729DBD-F3C4-41A6-8963-2EABA132BA7E}" type="datetimeFigureOut">
               <a:rPr lang="zh-TW" altLang="en-US" smtClean="0"/>
-              <a:t>2018/6/5</a:t>
+              <a:pPr/>
+              <a:t>2020/5/19</a:t>
             </a:fld>
             <a:endParaRPr lang="zh-TW" altLang="en-US"/>
           </a:p>
@@ -671,6 +676,7 @@
           <a:p>
             <a:fld id="{ACB5066D-BB75-428F-892D-9E06EF7E30C1}" type="slidenum">
               <a:rPr lang="zh-TW" altLang="en-US" smtClean="0"/>
+              <a:pPr/>
               <a:t>‹#›</a:t>
             </a:fld>
             <a:endParaRPr lang="zh-TW" altLang="en-US"/>
@@ -794,7 +800,8 @@
           <a:p>
             <a:fld id="{DA729DBD-F3C4-41A6-8963-2EABA132BA7E}" type="datetimeFigureOut">
               <a:rPr lang="zh-TW" altLang="en-US" smtClean="0"/>
-              <a:t>2018/6/5</a:t>
+              <a:pPr/>
+              <a:t>2020/5/19</a:t>
             </a:fld>
             <a:endParaRPr lang="zh-TW" altLang="en-US"/>
           </a:p>
@@ -836,6 +843,7 @@
           <a:p>
             <a:fld id="{ACB5066D-BB75-428F-892D-9E06EF7E30C1}" type="slidenum">
               <a:rPr lang="zh-TW" altLang="en-US" smtClean="0"/>
+              <a:pPr/>
               <a:t>‹#›</a:t>
             </a:fld>
             <a:endParaRPr lang="zh-TW" altLang="en-US"/>
@@ -879,8 +887,8 @@
         </p:nvSpPr>
         <p:spPr>
           <a:xfrm>
-            <a:off x="722313" y="4406900"/>
-            <a:ext cx="7772400" cy="1362075"/>
+            <a:off x="722313" y="3305176"/>
+            <a:ext cx="7772400" cy="1021556"/>
           </a:xfrm>
         </p:spPr>
         <p:txBody>
@@ -911,8 +919,8 @@
         </p:nvSpPr>
         <p:spPr>
           <a:xfrm>
-            <a:off x="722313" y="2906713"/>
-            <a:ext cx="7772400" cy="1500187"/>
+            <a:off x="722313" y="2180035"/>
+            <a:ext cx="7772400" cy="1125140"/>
           </a:xfrm>
         </p:spPr>
         <p:txBody>
@@ -1035,7 +1043,8 @@
           <a:p>
             <a:fld id="{DA729DBD-F3C4-41A6-8963-2EABA132BA7E}" type="datetimeFigureOut">
               <a:rPr lang="zh-TW" altLang="en-US" smtClean="0"/>
-              <a:t>2018/6/5</a:t>
+              <a:pPr/>
+              <a:t>2020/5/19</a:t>
             </a:fld>
             <a:endParaRPr lang="zh-TW" altLang="en-US"/>
           </a:p>
@@ -1077,6 +1086,7 @@
           <a:p>
             <a:fld id="{ACB5066D-BB75-428F-892D-9E06EF7E30C1}" type="slidenum">
               <a:rPr lang="zh-TW" altLang="en-US" smtClean="0"/>
+              <a:pPr/>
               <a:t>‹#›</a:t>
             </a:fld>
             <a:endParaRPr lang="zh-TW" altLang="en-US"/>
@@ -1143,8 +1153,8 @@
         </p:nvSpPr>
         <p:spPr>
           <a:xfrm>
-            <a:off x="457200" y="1600200"/>
-            <a:ext cx="4038600" cy="4525963"/>
+            <a:off x="457200" y="1200151"/>
+            <a:ext cx="4038600" cy="3394472"/>
           </a:xfrm>
         </p:spPr>
         <p:txBody>
@@ -1228,8 +1238,8 @@
         </p:nvSpPr>
         <p:spPr>
           <a:xfrm>
-            <a:off x="4648200" y="1600200"/>
-            <a:ext cx="4038600" cy="4525963"/>
+            <a:off x="4648200" y="1200151"/>
+            <a:ext cx="4038600" cy="3394472"/>
           </a:xfrm>
         </p:spPr>
         <p:txBody>
@@ -1318,7 +1328,8 @@
           <a:p>
             <a:fld id="{DA729DBD-F3C4-41A6-8963-2EABA132BA7E}" type="datetimeFigureOut">
               <a:rPr lang="zh-TW" altLang="en-US" smtClean="0"/>
-              <a:t>2018/6/5</a:t>
+              <a:pPr/>
+              <a:t>2020/5/19</a:t>
             </a:fld>
             <a:endParaRPr lang="zh-TW" altLang="en-US"/>
           </a:p>
@@ -1360,6 +1371,7 @@
           <a:p>
             <a:fld id="{ACB5066D-BB75-428F-892D-9E06EF7E30C1}" type="slidenum">
               <a:rPr lang="zh-TW" altLang="en-US" smtClean="0"/>
+              <a:pPr/>
               <a:t>‹#›</a:t>
             </a:fld>
             <a:endParaRPr lang="zh-TW" altLang="en-US"/>
@@ -1430,8 +1442,8 @@
         </p:nvSpPr>
         <p:spPr>
           <a:xfrm>
-            <a:off x="457200" y="1535113"/>
-            <a:ext cx="4040188" cy="639762"/>
+            <a:off x="457200" y="1151335"/>
+            <a:ext cx="4040188" cy="479822"/>
           </a:xfrm>
         </p:spPr>
         <p:txBody>
@@ -1495,8 +1507,8 @@
         </p:nvSpPr>
         <p:spPr>
           <a:xfrm>
-            <a:off x="457200" y="2174875"/>
-            <a:ext cx="4040188" cy="3951288"/>
+            <a:off x="457200" y="1631156"/>
+            <a:ext cx="4040188" cy="2963466"/>
           </a:xfrm>
         </p:spPr>
         <p:txBody>
@@ -1580,8 +1592,8 @@
         </p:nvSpPr>
         <p:spPr>
           <a:xfrm>
-            <a:off x="4645025" y="1535113"/>
-            <a:ext cx="4041775" cy="639762"/>
+            <a:off x="4645026" y="1151335"/>
+            <a:ext cx="4041775" cy="479822"/>
           </a:xfrm>
         </p:spPr>
         <p:txBody>
@@ -1645,8 +1657,8 @@
         </p:nvSpPr>
         <p:spPr>
           <a:xfrm>
-            <a:off x="4645025" y="2174875"/>
-            <a:ext cx="4041775" cy="3951288"/>
+            <a:off x="4645026" y="1631156"/>
+            <a:ext cx="4041775" cy="2963466"/>
           </a:xfrm>
         </p:spPr>
         <p:txBody>
@@ -1735,7 +1747,8 @@
           <a:p>
             <a:fld id="{DA729DBD-F3C4-41A6-8963-2EABA132BA7E}" type="datetimeFigureOut">
               <a:rPr lang="zh-TW" altLang="en-US" smtClean="0"/>
-              <a:t>2018/6/5</a:t>
+              <a:pPr/>
+              <a:t>2020/5/19</a:t>
             </a:fld>
             <a:endParaRPr lang="zh-TW" altLang="en-US"/>
           </a:p>
@@ -1777,6 +1790,7 @@
           <a:p>
             <a:fld id="{ACB5066D-BB75-428F-892D-9E06EF7E30C1}" type="slidenum">
               <a:rPr lang="zh-TW" altLang="en-US" smtClean="0"/>
+              <a:pPr/>
               <a:t>‹#›</a:t>
             </a:fld>
             <a:endParaRPr lang="zh-TW" altLang="en-US"/>
@@ -1848,7 +1862,8 @@
           <a:p>
             <a:fld id="{DA729DBD-F3C4-41A6-8963-2EABA132BA7E}" type="datetimeFigureOut">
               <a:rPr lang="zh-TW" altLang="en-US" smtClean="0"/>
-              <a:t>2018/6/5</a:t>
+              <a:pPr/>
+              <a:t>2020/5/19</a:t>
             </a:fld>
             <a:endParaRPr lang="zh-TW" altLang="en-US"/>
           </a:p>
@@ -1890,6 +1905,7 @@
           <a:p>
             <a:fld id="{ACB5066D-BB75-428F-892D-9E06EF7E30C1}" type="slidenum">
               <a:rPr lang="zh-TW" altLang="en-US" smtClean="0"/>
+              <a:pPr/>
               <a:t>‹#›</a:t>
             </a:fld>
             <a:endParaRPr lang="zh-TW" altLang="en-US"/>
@@ -1938,7 +1954,8 @@
           <a:p>
             <a:fld id="{DA729DBD-F3C4-41A6-8963-2EABA132BA7E}" type="datetimeFigureOut">
               <a:rPr lang="zh-TW" altLang="en-US" smtClean="0"/>
-              <a:t>2018/6/5</a:t>
+              <a:pPr/>
+              <a:t>2020/5/19</a:t>
             </a:fld>
             <a:endParaRPr lang="zh-TW" altLang="en-US"/>
           </a:p>
@@ -1980,6 +1997,7 @@
           <a:p>
             <a:fld id="{ACB5066D-BB75-428F-892D-9E06EF7E30C1}" type="slidenum">
               <a:rPr lang="zh-TW" altLang="en-US" smtClean="0"/>
+              <a:pPr/>
               <a:t>‹#›</a:t>
             </a:fld>
             <a:endParaRPr lang="zh-TW" altLang="en-US"/>
@@ -2023,8 +2041,8 @@
         </p:nvSpPr>
         <p:spPr>
           <a:xfrm>
-            <a:off x="457200" y="273050"/>
-            <a:ext cx="3008313" cy="1162050"/>
+            <a:off x="457201" y="204787"/>
+            <a:ext cx="3008313" cy="871538"/>
           </a:xfrm>
         </p:spPr>
         <p:txBody>
@@ -2055,8 +2073,8 @@
         </p:nvSpPr>
         <p:spPr>
           <a:xfrm>
-            <a:off x="3575050" y="273050"/>
-            <a:ext cx="5111750" cy="5853113"/>
+            <a:off x="3575050" y="204788"/>
+            <a:ext cx="5111750" cy="4389835"/>
           </a:xfrm>
         </p:spPr>
         <p:txBody>
@@ -2140,8 +2158,8 @@
         </p:nvSpPr>
         <p:spPr>
           <a:xfrm>
-            <a:off x="457200" y="1435100"/>
-            <a:ext cx="3008313" cy="4691063"/>
+            <a:off x="457201" y="1076326"/>
+            <a:ext cx="3008313" cy="3518297"/>
           </a:xfrm>
         </p:spPr>
         <p:txBody>
@@ -2210,7 +2228,8 @@
           <a:p>
             <a:fld id="{DA729DBD-F3C4-41A6-8963-2EABA132BA7E}" type="datetimeFigureOut">
               <a:rPr lang="zh-TW" altLang="en-US" smtClean="0"/>
-              <a:t>2018/6/5</a:t>
+              <a:pPr/>
+              <a:t>2020/5/19</a:t>
             </a:fld>
             <a:endParaRPr lang="zh-TW" altLang="en-US"/>
           </a:p>
@@ -2252,6 +2271,7 @@
           <a:p>
             <a:fld id="{ACB5066D-BB75-428F-892D-9E06EF7E30C1}" type="slidenum">
               <a:rPr lang="zh-TW" altLang="en-US" smtClean="0"/>
+              <a:pPr/>
               <a:t>‹#›</a:t>
             </a:fld>
             <a:endParaRPr lang="zh-TW" altLang="en-US"/>
@@ -2295,8 +2315,8 @@
         </p:nvSpPr>
         <p:spPr>
           <a:xfrm>
-            <a:off x="1792288" y="4800600"/>
-            <a:ext cx="5486400" cy="566738"/>
+            <a:off x="1792288" y="3600450"/>
+            <a:ext cx="5486400" cy="425054"/>
           </a:xfrm>
         </p:spPr>
         <p:txBody>
@@ -2327,8 +2347,8 @@
         </p:nvSpPr>
         <p:spPr>
           <a:xfrm>
-            <a:off x="1792288" y="612775"/>
-            <a:ext cx="5486400" cy="4114800"/>
+            <a:off x="1792288" y="459581"/>
+            <a:ext cx="5486400" cy="3086100"/>
           </a:xfrm>
         </p:spPr>
         <p:txBody>
@@ -2372,6 +2392,10 @@
             </a:lvl9pPr>
           </a:lstStyle>
           <a:p>
+            <a:r>
+              <a:rPr lang="zh-TW" altLang="en-US" smtClean="0"/>
+              <a:t>按一下圖示以新增圖片</a:t>
+            </a:r>
             <a:endParaRPr lang="zh-TW" altLang="en-US"/>
           </a:p>
         </p:txBody>
@@ -2388,8 +2412,8 @@
         </p:nvSpPr>
         <p:spPr>
           <a:xfrm>
-            <a:off x="1792288" y="5367338"/>
-            <a:ext cx="5486400" cy="804862"/>
+            <a:off x="1792288" y="4025503"/>
+            <a:ext cx="5486400" cy="603647"/>
           </a:xfrm>
         </p:spPr>
         <p:txBody>
@@ -2458,7 +2482,8 @@
           <a:p>
             <a:fld id="{DA729DBD-F3C4-41A6-8963-2EABA132BA7E}" type="datetimeFigureOut">
               <a:rPr lang="zh-TW" altLang="en-US" smtClean="0"/>
-              <a:t>2018/6/5</a:t>
+              <a:pPr/>
+              <a:t>2020/5/19</a:t>
             </a:fld>
             <a:endParaRPr lang="zh-TW" altLang="en-US"/>
           </a:p>
@@ -2500,6 +2525,7 @@
           <a:p>
             <a:fld id="{ACB5066D-BB75-428F-892D-9E06EF7E30C1}" type="slidenum">
               <a:rPr lang="zh-TW" altLang="en-US" smtClean="0"/>
+              <a:pPr/>
               <a:t>‹#›</a:t>
             </a:fld>
             <a:endParaRPr lang="zh-TW" altLang="en-US"/>
@@ -2518,9 +2544,14 @@
 <p:sldMaster xmlns:a="http://schemas.openxmlformats.org/drawingml/2006/main" xmlns:r="http://schemas.openxmlformats.org/officeDocument/2006/relationships" xmlns:p="http://schemas.openxmlformats.org/presentationml/2006/main">
   <p:cSld>
     <p:bg>
-      <p:bgRef idx="1001">
-        <a:schemeClr val="bg1"/>
-      </p:bgRef>
+      <p:bgPr>
+        <a:blipFill dpi="0" rotWithShape="1">
+          <a:blip r:embed="rId13"/>
+          <a:srcRect/>
+          <a:tile tx="0" ty="0" sx="100000" sy="100000" flip="none" algn="tl"/>
+        </a:blipFill>
+        <a:effectLst/>
+      </p:bgPr>
     </p:bg>
     <p:spTree>
       <p:nvGrpSpPr>
@@ -2548,8 +2579,8 @@
         </p:nvSpPr>
         <p:spPr>
           <a:xfrm>
-            <a:off x="457200" y="274638"/>
-            <a:ext cx="8229600" cy="1143000"/>
+            <a:off x="457200" y="205978"/>
+            <a:ext cx="8229600" cy="857250"/>
           </a:xfrm>
           <a:prstGeom prst="rect">
             <a:avLst/>
@@ -2581,8 +2612,8 @@
         </p:nvSpPr>
         <p:spPr>
           <a:xfrm>
-            <a:off x="457200" y="1600200"/>
-            <a:ext cx="8229600" cy="4525963"/>
+            <a:off x="457200" y="1200151"/>
+            <a:ext cx="8229600" cy="3394472"/>
           </a:xfrm>
           <a:prstGeom prst="rect">
             <a:avLst/>
@@ -2643,8 +2674,8 @@
         </p:nvSpPr>
         <p:spPr>
           <a:xfrm>
-            <a:off x="457200" y="6356350"/>
-            <a:ext cx="2133600" cy="365125"/>
+            <a:off x="457200" y="4767263"/>
+            <a:ext cx="2133600" cy="273844"/>
           </a:xfrm>
           <a:prstGeom prst="rect">
             <a:avLst/>
@@ -2666,7 +2697,8 @@
           <a:p>
             <a:fld id="{DA729DBD-F3C4-41A6-8963-2EABA132BA7E}" type="datetimeFigureOut">
               <a:rPr lang="zh-TW" altLang="en-US" smtClean="0"/>
-              <a:t>2018/6/5</a:t>
+              <a:pPr/>
+              <a:t>2020/5/19</a:t>
             </a:fld>
             <a:endParaRPr lang="zh-TW" altLang="en-US"/>
           </a:p>
@@ -2684,8 +2716,8 @@
         </p:nvSpPr>
         <p:spPr>
           <a:xfrm>
-            <a:off x="3124200" y="6356350"/>
-            <a:ext cx="2895600" cy="365125"/>
+            <a:off x="3124200" y="4767263"/>
+            <a:ext cx="2895600" cy="273844"/>
           </a:xfrm>
           <a:prstGeom prst="rect">
             <a:avLst/>
@@ -2721,8 +2753,8 @@
         </p:nvSpPr>
         <p:spPr>
           <a:xfrm>
-            <a:off x="6553200" y="6356350"/>
-            <a:ext cx="2133600" cy="365125"/>
+            <a:off x="6553200" y="4767263"/>
+            <a:ext cx="2133600" cy="273844"/>
           </a:xfrm>
           <a:prstGeom prst="rect">
             <a:avLst/>
@@ -2744,6 +2776,7 @@
           <a:p>
             <a:fld id="{ACB5066D-BB75-428F-892D-9E06EF7E30C1}" type="slidenum">
               <a:rPr lang="zh-TW" altLang="en-US" smtClean="0"/>
+              <a:pPr/>
               <a:t>‹#›</a:t>
             </a:fld>
             <a:endParaRPr lang="zh-TW" altLang="en-US"/>
@@ -2754,17 +2787,17 @@
   </p:cSld>
   <p:clrMap bg1="lt1" tx1="dk1" bg2="lt2" tx2="dk2" accent1="accent1" accent2="accent2" accent3="accent3" accent4="accent4" accent5="accent5" accent6="accent6" hlink="hlink" folHlink="folHlink"/>
   <p:sldLayoutIdLst>
-    <p:sldLayoutId id="2147483649" r:id="rId1"/>
-    <p:sldLayoutId id="2147483650" r:id="rId2"/>
-    <p:sldLayoutId id="2147483651" r:id="rId3"/>
-    <p:sldLayoutId id="2147483652" r:id="rId4"/>
-    <p:sldLayoutId id="2147483653" r:id="rId5"/>
-    <p:sldLayoutId id="2147483654" r:id="rId6"/>
-    <p:sldLayoutId id="2147483655" r:id="rId7"/>
-    <p:sldLayoutId id="2147483656" r:id="rId8"/>
-    <p:sldLayoutId id="2147483657" r:id="rId9"/>
-    <p:sldLayoutId id="2147483658" r:id="rId10"/>
-    <p:sldLayoutId id="2147483659" r:id="rId11"/>
+    <p:sldLayoutId id="2147483661" r:id="rId1"/>
+    <p:sldLayoutId id="2147483662" r:id="rId2"/>
+    <p:sldLayoutId id="2147483663" r:id="rId3"/>
+    <p:sldLayoutId id="2147483664" r:id="rId4"/>
+    <p:sldLayoutId id="2147483665" r:id="rId5"/>
+    <p:sldLayoutId id="2147483666" r:id="rId6"/>
+    <p:sldLayoutId id="2147483667" r:id="rId7"/>
+    <p:sldLayoutId id="2147483668" r:id="rId8"/>
+    <p:sldLayoutId id="2147483669" r:id="rId9"/>
+    <p:sldLayoutId id="2147483670" r:id="rId10"/>
+    <p:sldLayoutId id="2147483671" r:id="rId11"/>
   </p:sldLayoutIdLst>
   <p:txStyles>
     <p:titleStyle>
@@ -3056,8 +3089,26 @@
                 <a:latin typeface="微軟正黑體" pitchFamily="34" charset="-120"/>
                 <a:ea typeface="微軟正黑體" pitchFamily="34" charset="-120"/>
               </a:rPr>
-              <a:t>一生愛你</a:t>
-            </a:r>
+              <a:t>一生</a:t>
+            </a:r>
+            <a:r>
+              <a:rPr lang="zh-TW" altLang="en-US" b="1" dirty="0" smtClean="0">
+                <a:latin typeface="微軟正黑體" pitchFamily="34" charset="-120"/>
+                <a:ea typeface="微軟正黑體" pitchFamily="34" charset="-120"/>
+              </a:rPr>
+              <a:t>愛</a:t>
+            </a:r>
+            <a:r>
+              <a:rPr lang="zh-CN" altLang="en-US" b="1" dirty="0" smtClean="0">
+                <a:latin typeface="微軟正黑體" pitchFamily="34" charset="-120"/>
+                <a:ea typeface="微軟正黑體" pitchFamily="34" charset="-120"/>
+              </a:rPr>
+              <a:t>袮</a:t>
+            </a:r>
+            <a:endParaRPr lang="zh-TW" altLang="en-US" b="1" dirty="0">
+              <a:latin typeface="微軟正黑體" pitchFamily="34" charset="-120"/>
+              <a:ea typeface="微軟正黑體" pitchFamily="34" charset="-120"/>
+            </a:endParaRPr>
           </a:p>
         </p:txBody>
       </p:sp>
@@ -3074,7 +3125,7 @@
         <p:spPr/>
         <p:txBody>
           <a:bodyPr>
-            <a:normAutofit/>
+            <a:normAutofit fontScale="92500" lnSpcReduction="10000"/>
           </a:bodyPr>
           <a:lstStyle/>
           <a:p>
@@ -3105,18 +3156,25 @@
               <a:buNone/>
             </a:pPr>
             <a:r>
+              <a:rPr lang="zh-CN" altLang="en-US" sz="5400" b="1" dirty="0" smtClean="0">
+                <a:latin typeface="微軟正黑體" pitchFamily="34" charset="-120"/>
+                <a:ea typeface="微軟正黑體" pitchFamily="34" charset="-120"/>
+              </a:rPr>
+              <a:t>袮</a:t>
+            </a:r>
+            <a:r>
               <a:rPr lang="zh-TW" altLang="en-US" sz="5400" b="1" dirty="0" smtClean="0">
                 <a:latin typeface="微軟正黑體" pitchFamily="34" charset="-120"/>
                 <a:ea typeface="微軟正黑體" pitchFamily="34" charset="-120"/>
               </a:rPr>
-              <a:t>你</a:t>
+              <a:t>愛</a:t>
             </a:r>
             <a:r>
               <a:rPr lang="zh-TW" altLang="en-US" sz="5400" b="1" dirty="0">
                 <a:latin typeface="微軟正黑體" pitchFamily="34" charset="-120"/>
                 <a:ea typeface="微軟正黑體" pitchFamily="34" charset="-120"/>
               </a:rPr>
-              <a:t>愛何等地</a:t>
+              <a:t>何等地</a:t>
             </a:r>
             <a:r>
               <a:rPr lang="zh-TW" altLang="en-US" sz="5400" b="1" dirty="0" smtClean="0">
@@ -3146,7 +3204,21 @@
                 <a:latin typeface="微軟正黑體" pitchFamily="34" charset="-120"/>
                 <a:ea typeface="微軟正黑體" pitchFamily="34" charset="-120"/>
               </a:rPr>
-              <a:t>的心深深被你</a:t>
+              <a:t>的心深深</a:t>
+            </a:r>
+            <a:r>
+              <a:rPr lang="zh-TW" altLang="en-US" sz="5400" b="1" dirty="0" smtClean="0">
+                <a:latin typeface="微軟正黑體" pitchFamily="34" charset="-120"/>
+                <a:ea typeface="微軟正黑體" pitchFamily="34" charset="-120"/>
+              </a:rPr>
+              <a:t>被</a:t>
+            </a:r>
+            <a:r>
+              <a:rPr lang="zh-CN" altLang="en-US" sz="5400" b="1" dirty="0" smtClean="0">
+                <a:latin typeface="微軟正黑體" pitchFamily="34" charset="-120"/>
+                <a:ea typeface="微軟正黑體" pitchFamily="34" charset="-120"/>
+              </a:rPr>
+              <a:t>袮</a:t>
             </a:r>
             <a:r>
               <a:rPr lang="zh-TW" altLang="en-US" sz="5400" b="1" dirty="0" smtClean="0">
@@ -3172,11 +3244,25 @@
               <a:t>愛</a:t>
             </a:r>
             <a:r>
+              <a:rPr lang="zh-CN" altLang="en-US" sz="5400" b="1" dirty="0" smtClean="0">
+                <a:latin typeface="微軟正黑體" pitchFamily="34" charset="-120"/>
+                <a:ea typeface="微軟正黑體" pitchFamily="34" charset="-120"/>
+              </a:rPr>
+              <a:t>袮</a:t>
+            </a:r>
+            <a:r>
+              <a:rPr lang="zh-TW" altLang="en-US" sz="5400" b="1" dirty="0" smtClean="0">
+                <a:latin typeface="微軟正黑體" pitchFamily="34" charset="-120"/>
+                <a:ea typeface="微軟正黑體" pitchFamily="34" charset="-120"/>
+              </a:rPr>
+              <a:t>是</a:t>
+            </a:r>
+            <a:r>
               <a:rPr lang="zh-TW" altLang="en-US" sz="5400" b="1" dirty="0">
                 <a:latin typeface="微軟正黑體" pitchFamily="34" charset="-120"/>
                 <a:ea typeface="微軟正黑體" pitchFamily="34" charset="-120"/>
               </a:rPr>
-              <a:t>你是我的</a:t>
+              <a:t>我的</a:t>
             </a:r>
             <a:r>
               <a:rPr lang="zh-TW" altLang="en-US" sz="5400" b="1" dirty="0" smtClean="0">
@@ -3237,8 +3323,26 @@
                 <a:latin typeface="微軟正黑體" pitchFamily="34" charset="-120"/>
                 <a:ea typeface="微軟正黑體" pitchFamily="34" charset="-120"/>
               </a:rPr>
-              <a:t>一生愛你</a:t>
-            </a:r>
+              <a:t>一生</a:t>
+            </a:r>
+            <a:r>
+              <a:rPr lang="zh-TW" altLang="en-US" b="1" dirty="0" smtClean="0">
+                <a:latin typeface="微軟正黑體" pitchFamily="34" charset="-120"/>
+                <a:ea typeface="微軟正黑體" pitchFamily="34" charset="-120"/>
+              </a:rPr>
+              <a:t>愛</a:t>
+            </a:r>
+            <a:r>
+              <a:rPr lang="zh-CN" altLang="en-US" b="1" dirty="0" smtClean="0">
+                <a:latin typeface="微軟正黑體" pitchFamily="34" charset="-120"/>
+                <a:ea typeface="微軟正黑體" pitchFamily="34" charset="-120"/>
+              </a:rPr>
+              <a:t>袮</a:t>
+            </a:r>
+            <a:endParaRPr lang="zh-TW" altLang="en-US" b="1" dirty="0">
+              <a:latin typeface="微軟正黑體" pitchFamily="34" charset="-120"/>
+              <a:ea typeface="微軟正黑體" pitchFamily="34" charset="-120"/>
+            </a:endParaRPr>
           </a:p>
         </p:txBody>
       </p:sp>
@@ -3255,7 +3359,7 @@
         <p:spPr/>
         <p:txBody>
           <a:bodyPr>
-            <a:normAutofit/>
+            <a:normAutofit fontScale="92500" lnSpcReduction="10000"/>
           </a:bodyPr>
           <a:lstStyle/>
           <a:p>
@@ -3267,7 +3371,49 @@
                 <a:latin typeface="微軟正黑體" pitchFamily="34" charset="-120"/>
                 <a:ea typeface="微軟正黑體" pitchFamily="34" charset="-120"/>
               </a:rPr>
-              <a:t>一生愛你   一生敬拜你</a:t>
+              <a:t>一生</a:t>
+            </a:r>
+            <a:r>
+              <a:rPr lang="zh-TW" altLang="en-US" sz="5400" b="1" dirty="0" smtClean="0">
+                <a:latin typeface="微軟正黑體" pitchFamily="34" charset="-120"/>
+                <a:ea typeface="微軟正黑體" pitchFamily="34" charset="-120"/>
+              </a:rPr>
+              <a:t>愛</a:t>
+            </a:r>
+            <a:r>
+              <a:rPr lang="zh-CN" altLang="en-US" sz="5400" b="1" dirty="0" smtClean="0">
+                <a:latin typeface="微軟正黑體" pitchFamily="34" charset="-120"/>
+                <a:ea typeface="微軟正黑體" pitchFamily="34" charset="-120"/>
+              </a:rPr>
+              <a:t>袮  </a:t>
+            </a:r>
+            <a:r>
+              <a:rPr lang="zh-TW" altLang="en-US" sz="5400" b="1" dirty="0" smtClean="0">
+                <a:latin typeface="微軟正黑體" pitchFamily="34" charset="-120"/>
+                <a:ea typeface="微軟正黑體" pitchFamily="34" charset="-120"/>
+              </a:rPr>
+              <a:t>一生</a:t>
+            </a:r>
+            <a:r>
+              <a:rPr lang="zh-TW" altLang="en-US" sz="5400" b="1" dirty="0">
+                <a:latin typeface="微軟正黑體" pitchFamily="34" charset="-120"/>
+                <a:ea typeface="微軟正黑體" pitchFamily="34" charset="-120"/>
+              </a:rPr>
+              <a:t>敬</a:t>
+            </a:r>
+            <a:r>
+              <a:rPr lang="zh-TW" altLang="en-US" sz="5400" b="1" dirty="0" smtClean="0">
+                <a:latin typeface="微軟正黑體" pitchFamily="34" charset="-120"/>
+                <a:ea typeface="微軟正黑體" pitchFamily="34" charset="-120"/>
+              </a:rPr>
+              <a:t>拜</a:t>
+            </a:r>
+            <a:r>
+              <a:rPr lang="zh-CN" altLang="en-US" sz="5400" b="1" dirty="0" smtClean="0">
+                <a:latin typeface="微軟正黑體" pitchFamily="34" charset="-120"/>
+                <a:ea typeface="微軟正黑體" pitchFamily="34" charset="-120"/>
+              </a:rPr>
+              <a:t>袮</a:t>
             </a:r>
             <a:endParaRPr lang="en-US" altLang="zh-TW" sz="5400" b="1" dirty="0">
               <a:latin typeface="微軟正黑體" pitchFamily="34" charset="-120"/>
@@ -3283,7 +3429,35 @@
                 <a:latin typeface="微軟正黑體" pitchFamily="34" charset="-120"/>
                 <a:ea typeface="微軟正黑體" pitchFamily="34" charset="-120"/>
               </a:rPr>
-              <a:t>一生愛你   一生榮耀你</a:t>
+              <a:t>一生</a:t>
+            </a:r>
+            <a:r>
+              <a:rPr lang="zh-TW" altLang="en-US" sz="5400" b="1" dirty="0" smtClean="0">
+                <a:latin typeface="微軟正黑體" pitchFamily="34" charset="-120"/>
+                <a:ea typeface="微軟正黑體" pitchFamily="34" charset="-120"/>
+              </a:rPr>
+              <a:t>愛</a:t>
+            </a:r>
+            <a:r>
+              <a:rPr lang="zh-CN" altLang="en-US" sz="5400" b="1" dirty="0" smtClean="0">
+                <a:latin typeface="微軟正黑體" pitchFamily="34" charset="-120"/>
+                <a:ea typeface="微軟正黑體" pitchFamily="34" charset="-120"/>
+              </a:rPr>
+              <a:t>袮  </a:t>
+            </a:r>
+            <a:r>
+              <a:rPr lang="zh-TW" altLang="en-US" sz="5400" b="1" dirty="0" smtClean="0">
+                <a:latin typeface="微軟正黑體" pitchFamily="34" charset="-120"/>
+                <a:ea typeface="微軟正黑體" pitchFamily="34" charset="-120"/>
+              </a:rPr>
+              <a:t>一生榮耀</a:t>
+            </a:r>
+            <a:r>
+              <a:rPr lang="zh-CN" altLang="en-US" sz="5400" b="1" dirty="0" smtClean="0">
+                <a:latin typeface="微軟正黑體" pitchFamily="34" charset="-120"/>
+                <a:ea typeface="微軟正黑體" pitchFamily="34" charset="-120"/>
+              </a:rPr>
+              <a:t>袮</a:t>
             </a:r>
             <a:endParaRPr lang="en-US" altLang="zh-TW" sz="5400" b="1" dirty="0">
               <a:latin typeface="微軟正黑體" pitchFamily="34" charset="-120"/>
@@ -3299,7 +3473,21 @@
                 <a:latin typeface="微軟正黑體" pitchFamily="34" charset="-120"/>
                 <a:ea typeface="微軟正黑體" pitchFamily="34" charset="-120"/>
               </a:rPr>
-              <a:t>一生奉獻   一生不回頭</a:t>
+              <a:t>一生奉獻  </a:t>
+            </a:r>
+            <a:r>
+              <a:rPr lang="zh-TW" altLang="en-US" sz="5400" b="1" dirty="0" smtClean="0">
+                <a:latin typeface="微軟正黑體" pitchFamily="34" charset="-120"/>
+                <a:ea typeface="微軟正黑體" pitchFamily="34" charset="-120"/>
+              </a:rPr>
+              <a:t>一生</a:t>
+            </a:r>
+            <a:r>
+              <a:rPr lang="zh-TW" altLang="en-US" sz="5400" b="1" dirty="0">
+                <a:latin typeface="微軟正黑體" pitchFamily="34" charset="-120"/>
+                <a:ea typeface="微軟正黑體" pitchFamily="34" charset="-120"/>
+              </a:rPr>
+              <a:t>不回頭</a:t>
             </a:r>
             <a:endParaRPr lang="en-US" altLang="zh-TW" sz="5400" b="1" dirty="0">
               <a:latin typeface="微軟正黑體" pitchFamily="34" charset="-120"/>
@@ -3315,8 +3503,40 @@
                 <a:latin typeface="微軟正黑體" pitchFamily="34" charset="-120"/>
                 <a:ea typeface="微軟正黑體" pitchFamily="34" charset="-120"/>
               </a:rPr>
-              <a:t>一生愛你   跟隨你</a:t>
-            </a:r>
+              <a:t>一生</a:t>
+            </a:r>
+            <a:r>
+              <a:rPr lang="zh-TW" altLang="en-US" sz="5400" b="1" dirty="0" smtClean="0">
+                <a:latin typeface="微軟正黑體" pitchFamily="34" charset="-120"/>
+                <a:ea typeface="微軟正黑體" pitchFamily="34" charset="-120"/>
+              </a:rPr>
+              <a:t>愛</a:t>
+            </a:r>
+            <a:r>
+              <a:rPr lang="zh-CN" altLang="en-US" sz="5400" b="1" dirty="0" smtClean="0">
+                <a:latin typeface="微軟正黑體" pitchFamily="34" charset="-120"/>
+                <a:ea typeface="微軟正黑體" pitchFamily="34" charset="-120"/>
+              </a:rPr>
+              <a:t>袮  </a:t>
+            </a:r>
+            <a:r>
+              <a:rPr lang="zh-TW" altLang="en-US" sz="5400" b="1" dirty="0" smtClean="0">
+                <a:latin typeface="微軟正黑體" pitchFamily="34" charset="-120"/>
+                <a:ea typeface="微軟正黑體" pitchFamily="34" charset="-120"/>
+              </a:rPr>
+              <a:t>跟隨</a:t>
+            </a:r>
+            <a:r>
+              <a:rPr lang="zh-CN" altLang="en-US" sz="5400" b="1" dirty="0" smtClean="0">
+                <a:latin typeface="微軟正黑體" pitchFamily="34" charset="-120"/>
+                <a:ea typeface="微軟正黑體" pitchFamily="34" charset="-120"/>
+              </a:rPr>
+              <a:t>袮</a:t>
+            </a:r>
+            <a:endParaRPr lang="zh-TW" altLang="en-US" sz="5400" b="1" dirty="0">
+              <a:latin typeface="微軟正黑體" pitchFamily="34" charset="-120"/>
+              <a:ea typeface="微軟正黑體" pitchFamily="34" charset="-120"/>
+            </a:endParaRPr>
           </a:p>
         </p:txBody>
       </p:sp>
@@ -3329,7 +3549,7 @@
 </file>
 
 <file path=ppt/theme/theme1.xml><?xml version="1.0" encoding="utf-8"?>
-<a:theme xmlns:a="http://schemas.openxmlformats.org/drawingml/2006/main" name="Office 佈景主題">
+<a:theme xmlns:a="http://schemas.openxmlformats.org/drawingml/2006/main" name="佈景主題4">
   <a:themeElements>
     <a:clrScheme name="Office">
       <a:dk1>

--- a/一生愛你_中文版.pptx
+++ b/一生愛你_中文版.pptx
@@ -5,8 +5,11 @@
     <p:sldMasterId id="2147483660" r:id="rId1"/>
   </p:sldMasterIdLst>
   <p:sldIdLst>
-    <p:sldId id="257" r:id="rId2"/>
-    <p:sldId id="258" r:id="rId3"/>
+    <p:sldId id="259" r:id="rId2"/>
+    <p:sldId id="260" r:id="rId3"/>
+    <p:sldId id="261" r:id="rId4"/>
+    <p:sldId id="262" r:id="rId5"/>
+    <p:sldId id="263" r:id="rId6"/>
   </p:sldIdLst>
   <p:sldSz cx="9144000" cy="5143500" type="screen16x9"/>
   <p:notesSz cx="6858000" cy="9144000"/>
@@ -105,6 +108,22 @@
       </a:defRPr>
     </a:lvl9pPr>
   </p:defaultTextStyle>
+  <p:extLst>
+    <p:ext uri="{EFAFB233-063F-42B5-8137-9DF3F51BA10A}">
+      <p15:sldGuideLst xmlns:p15="http://schemas.microsoft.com/office/powerpoint/2012/main">
+        <p15:guide id="1" orient="horz" pos="1620">
+          <p15:clr>
+            <a:srgbClr val="A4A3A4"/>
+          </p15:clr>
+        </p15:guide>
+        <p15:guide id="2" pos="2880">
+          <p15:clr>
+            <a:srgbClr val="A4A3A4"/>
+          </p15:clr>
+        </p15:guide>
+      </p15:sldGuideLst>
+    </p:ext>
+  </p:extLst>
 </p:presentation>
 </file>
 
@@ -290,7 +309,7 @@
             <a:fld id="{DA729DBD-F3C4-41A6-8963-2EABA132BA7E}" type="datetimeFigureOut">
               <a:rPr lang="zh-TW" altLang="en-US" smtClean="0"/>
               <a:pPr/>
-              <a:t>2020/5/19</a:t>
+              <a:t>2022/6/9</a:t>
             </a:fld>
             <a:endParaRPr lang="zh-TW" altLang="en-US"/>
           </a:p>
@@ -457,7 +476,7 @@
             <a:fld id="{DA729DBD-F3C4-41A6-8963-2EABA132BA7E}" type="datetimeFigureOut">
               <a:rPr lang="zh-TW" altLang="en-US" smtClean="0"/>
               <a:pPr/>
-              <a:t>2020/5/19</a:t>
+              <a:t>2022/6/9</a:t>
             </a:fld>
             <a:endParaRPr lang="zh-TW" altLang="en-US"/>
           </a:p>
@@ -634,7 +653,7 @@
             <a:fld id="{DA729DBD-F3C4-41A6-8963-2EABA132BA7E}" type="datetimeFigureOut">
               <a:rPr lang="zh-TW" altLang="en-US" smtClean="0"/>
               <a:pPr/>
-              <a:t>2020/5/19</a:t>
+              <a:t>2022/6/9</a:t>
             </a:fld>
             <a:endParaRPr lang="zh-TW" altLang="en-US"/>
           </a:p>
@@ -801,7 +820,7 @@
             <a:fld id="{DA729DBD-F3C4-41A6-8963-2EABA132BA7E}" type="datetimeFigureOut">
               <a:rPr lang="zh-TW" altLang="en-US" smtClean="0"/>
               <a:pPr/>
-              <a:t>2020/5/19</a:t>
+              <a:t>2022/6/9</a:t>
             </a:fld>
             <a:endParaRPr lang="zh-TW" altLang="en-US"/>
           </a:p>
@@ -1044,7 +1063,7 @@
             <a:fld id="{DA729DBD-F3C4-41A6-8963-2EABA132BA7E}" type="datetimeFigureOut">
               <a:rPr lang="zh-TW" altLang="en-US" smtClean="0"/>
               <a:pPr/>
-              <a:t>2020/5/19</a:t>
+              <a:t>2022/6/9</a:t>
             </a:fld>
             <a:endParaRPr lang="zh-TW" altLang="en-US"/>
           </a:p>
@@ -1329,7 +1348,7 @@
             <a:fld id="{DA729DBD-F3C4-41A6-8963-2EABA132BA7E}" type="datetimeFigureOut">
               <a:rPr lang="zh-TW" altLang="en-US" smtClean="0"/>
               <a:pPr/>
-              <a:t>2020/5/19</a:t>
+              <a:t>2022/6/9</a:t>
             </a:fld>
             <a:endParaRPr lang="zh-TW" altLang="en-US"/>
           </a:p>
@@ -1748,7 +1767,7 @@
             <a:fld id="{DA729DBD-F3C4-41A6-8963-2EABA132BA7E}" type="datetimeFigureOut">
               <a:rPr lang="zh-TW" altLang="en-US" smtClean="0"/>
               <a:pPr/>
-              <a:t>2020/5/19</a:t>
+              <a:t>2022/6/9</a:t>
             </a:fld>
             <a:endParaRPr lang="zh-TW" altLang="en-US"/>
           </a:p>
@@ -1863,7 +1882,7 @@
             <a:fld id="{DA729DBD-F3C4-41A6-8963-2EABA132BA7E}" type="datetimeFigureOut">
               <a:rPr lang="zh-TW" altLang="en-US" smtClean="0"/>
               <a:pPr/>
-              <a:t>2020/5/19</a:t>
+              <a:t>2022/6/9</a:t>
             </a:fld>
             <a:endParaRPr lang="zh-TW" altLang="en-US"/>
           </a:p>
@@ -1955,7 +1974,7 @@
             <a:fld id="{DA729DBD-F3C4-41A6-8963-2EABA132BA7E}" type="datetimeFigureOut">
               <a:rPr lang="zh-TW" altLang="en-US" smtClean="0"/>
               <a:pPr/>
-              <a:t>2020/5/19</a:t>
+              <a:t>2022/6/9</a:t>
             </a:fld>
             <a:endParaRPr lang="zh-TW" altLang="en-US"/>
           </a:p>
@@ -2229,7 +2248,7 @@
             <a:fld id="{DA729DBD-F3C4-41A6-8963-2EABA132BA7E}" type="datetimeFigureOut">
               <a:rPr lang="zh-TW" altLang="en-US" smtClean="0"/>
               <a:pPr/>
-              <a:t>2020/5/19</a:t>
+              <a:t>2022/6/9</a:t>
             </a:fld>
             <a:endParaRPr lang="zh-TW" altLang="en-US"/>
           </a:p>
@@ -2483,7 +2502,7 @@
             <a:fld id="{DA729DBD-F3C4-41A6-8963-2EABA132BA7E}" type="datetimeFigureOut">
               <a:rPr lang="zh-TW" altLang="en-US" smtClean="0"/>
               <a:pPr/>
-              <a:t>2020/5/19</a:t>
+              <a:t>2022/6/9</a:t>
             </a:fld>
             <a:endParaRPr lang="zh-TW" altLang="en-US"/>
           </a:p>
@@ -2698,7 +2717,7 @@
             <a:fld id="{DA729DBD-F3C4-41A6-8963-2EABA132BA7E}" type="datetimeFigureOut">
               <a:rPr lang="zh-TW" altLang="en-US" smtClean="0"/>
               <a:pPr/>
-              <a:t>2020/5/19</a:t>
+              <a:t>2022/6/9</a:t>
             </a:fld>
             <a:endParaRPr lang="zh-TW" altLang="en-US"/>
           </a:p>
@@ -3071,7 +3090,7 @@
       </p:grpSpPr>
       <p:sp>
         <p:nvSpPr>
-          <p:cNvPr id="2" name="標題 1"/>
+          <p:cNvPr id="4" name="標題 3"/>
           <p:cNvSpPr>
             <a:spLocks noGrp="1"/>
           </p:cNvSpPr>
@@ -3079,206 +3098,92 @@
             <p:ph type="title"/>
           </p:nvPr>
         </p:nvSpPr>
-        <p:spPr/>
-        <p:txBody>
-          <a:bodyPr/>
-          <a:lstStyle/>
-          <a:p>
-            <a:r>
-              <a:rPr lang="zh-TW" altLang="en-US" b="1" dirty="0">
+        <p:spPr>
+          <a:xfrm>
+            <a:off x="0" y="1995686"/>
+            <a:ext cx="9144000" cy="857250"/>
+          </a:xfrm>
+        </p:spPr>
+        <p:txBody>
+          <a:bodyPr>
+            <a:noAutofit/>
+          </a:bodyPr>
+          <a:lstStyle/>
+          <a:p>
+            <a:r>
+              <a:rPr lang="zh-TW" altLang="en-US" sz="5400" b="1" i="1" dirty="0" smtClean="0">
+                <a:solidFill>
+                  <a:srgbClr val="660033"/>
+                </a:solidFill>
+                <a:effectLst>
+                  <a:outerShdw blurRad="38100" dist="38100" dir="2700000" algn="tl">
+                    <a:srgbClr val="000000">
+                      <a:alpha val="43137"/>
+                    </a:srgbClr>
+                  </a:outerShdw>
+                </a:effectLst>
                 <a:latin typeface="微軟正黑體" pitchFamily="34" charset="-120"/>
                 <a:ea typeface="微軟正黑體" pitchFamily="34" charset="-120"/>
               </a:rPr>
-              <a:t>一生</a:t>
-            </a:r>
-            <a:r>
-              <a:rPr lang="zh-TW" altLang="en-US" b="1" dirty="0" smtClean="0">
+              <a:t>一</a:t>
+            </a:r>
+            <a:r>
+              <a:rPr lang="zh-TW" altLang="en-US" sz="5400" b="1" i="1" dirty="0">
+                <a:solidFill>
+                  <a:srgbClr val="660033"/>
+                </a:solidFill>
+                <a:effectLst>
+                  <a:outerShdw blurRad="38100" dist="38100" dir="2700000" algn="tl">
+                    <a:srgbClr val="000000">
+                      <a:alpha val="43137"/>
+                    </a:srgbClr>
+                  </a:outerShdw>
+                </a:effectLst>
                 <a:latin typeface="微軟正黑體" pitchFamily="34" charset="-120"/>
                 <a:ea typeface="微軟正黑體" pitchFamily="34" charset="-120"/>
               </a:rPr>
-              <a:t>愛</a:t>
-            </a:r>
-            <a:r>
-              <a:rPr lang="zh-CN" altLang="en-US" b="1" dirty="0" smtClean="0">
+              <a:t>生愛</a:t>
+            </a:r>
+            <a:r>
+              <a:rPr lang="zh-CN" altLang="en-US" sz="5400" b="1" i="1" dirty="0">
+                <a:solidFill>
+                  <a:srgbClr val="660033"/>
+                </a:solidFill>
+                <a:effectLst>
+                  <a:outerShdw blurRad="38100" dist="38100" dir="2700000" algn="tl">
+                    <a:srgbClr val="000000">
+                      <a:alpha val="43137"/>
+                    </a:srgbClr>
+                  </a:outerShdw>
+                </a:effectLst>
                 <a:latin typeface="微軟正黑體" pitchFamily="34" charset="-120"/>
                 <a:ea typeface="微軟正黑體" pitchFamily="34" charset="-120"/>
               </a:rPr>
               <a:t>袮</a:t>
             </a:r>
-            <a:endParaRPr lang="zh-TW" altLang="en-US" b="1" dirty="0">
+            <a:endParaRPr lang="zh-TW" altLang="en-US" sz="5400" b="1" i="1" dirty="0">
+              <a:solidFill>
+                <a:srgbClr val="660033"/>
+              </a:solidFill>
+              <a:effectLst>
+                <a:outerShdw blurRad="38100" dist="38100" dir="2700000" algn="tl">
+                  <a:srgbClr val="000000">
+                    <a:alpha val="43137"/>
+                  </a:srgbClr>
+                </a:outerShdw>
+              </a:effectLst>
               <a:latin typeface="微軟正黑體" pitchFamily="34" charset="-120"/>
               <a:ea typeface="微軟正黑體" pitchFamily="34" charset="-120"/>
             </a:endParaRPr>
           </a:p>
         </p:txBody>
       </p:sp>
-      <p:sp>
-        <p:nvSpPr>
-          <p:cNvPr id="3" name="內容版面配置區 2"/>
-          <p:cNvSpPr>
-            <a:spLocks noGrp="1"/>
-          </p:cNvSpPr>
-          <p:nvPr>
-            <p:ph idx="1"/>
-          </p:nvPr>
-        </p:nvSpPr>
-        <p:spPr/>
-        <p:txBody>
-          <a:bodyPr>
-            <a:normAutofit fontScale="92500" lnSpcReduction="10000"/>
-          </a:bodyPr>
-          <a:lstStyle/>
-          <a:p>
-            <a:pPr algn="ctr">
-              <a:buNone/>
-            </a:pPr>
-            <a:r>
-              <a:rPr lang="zh-TW" altLang="en-US" sz="5400" b="1" dirty="0">
-                <a:latin typeface="微軟正黑體" pitchFamily="34" charset="-120"/>
-                <a:ea typeface="微軟正黑體" pitchFamily="34" charset="-120"/>
-              </a:rPr>
-              <a:t>親愛的寶貴</a:t>
-            </a:r>
-            <a:r>
-              <a:rPr lang="zh-TW" altLang="en-US" sz="5400" b="1" dirty="0" smtClean="0">
-                <a:latin typeface="微軟正黑體" pitchFamily="34" charset="-120"/>
-                <a:ea typeface="微軟正黑體" pitchFamily="34" charset="-120"/>
-              </a:rPr>
-              <a:t>耶穌</a:t>
-            </a:r>
-            <a:endParaRPr lang="en-US" altLang="zh-TW" sz="5400" b="1" dirty="0" smtClean="0">
-              <a:latin typeface="微軟正黑體" pitchFamily="34" charset="-120"/>
-              <a:ea typeface="微軟正黑體" pitchFamily="34" charset="-120"/>
-            </a:endParaRPr>
-          </a:p>
-          <a:p>
-            <a:pPr algn="ctr">
-              <a:buNone/>
-            </a:pPr>
-            <a:r>
-              <a:rPr lang="zh-CN" altLang="en-US" sz="5400" b="1" dirty="0" smtClean="0">
-                <a:latin typeface="微軟正黑體" pitchFamily="34" charset="-120"/>
-                <a:ea typeface="微軟正黑體" pitchFamily="34" charset="-120"/>
-              </a:rPr>
-              <a:t>袮</a:t>
-            </a:r>
-            <a:r>
-              <a:rPr lang="zh-TW" altLang="en-US" sz="5400" b="1" dirty="0" smtClean="0">
-                <a:latin typeface="微軟正黑體" pitchFamily="34" charset="-120"/>
-                <a:ea typeface="微軟正黑體" pitchFamily="34" charset="-120"/>
-              </a:rPr>
-              <a:t>愛</a:t>
-            </a:r>
-            <a:r>
-              <a:rPr lang="zh-TW" altLang="en-US" sz="5400" b="1" dirty="0">
-                <a:latin typeface="微軟正黑體" pitchFamily="34" charset="-120"/>
-                <a:ea typeface="微軟正黑體" pitchFamily="34" charset="-120"/>
-              </a:rPr>
-              <a:t>何等地</a:t>
-            </a:r>
-            <a:r>
-              <a:rPr lang="zh-TW" altLang="en-US" sz="5400" b="1" dirty="0" smtClean="0">
-                <a:latin typeface="微軟正黑體" pitchFamily="34" charset="-120"/>
-                <a:ea typeface="微軟正黑體" pitchFamily="34" charset="-120"/>
-              </a:rPr>
-              <a:t>甘甜</a:t>
-            </a:r>
-            <a:endParaRPr lang="en-US" altLang="zh-TW" sz="5400" b="1" dirty="0">
-              <a:latin typeface="微軟正黑體" pitchFamily="34" charset="-120"/>
-              <a:ea typeface="微軟正黑體" pitchFamily="34" charset="-120"/>
-            </a:endParaRPr>
-          </a:p>
-          <a:p>
-            <a:pPr algn="ctr">
-              <a:buNone/>
-            </a:pPr>
-            <a:r>
-              <a:rPr lang="zh-TW" altLang="en-US" sz="5400" b="1" dirty="0" smtClean="0">
-                <a:latin typeface="微軟正黑體" pitchFamily="34" charset="-120"/>
-                <a:ea typeface="微軟正黑體" pitchFamily="34" charset="-120"/>
-              </a:rPr>
-              <a:t>我</a:t>
-            </a:r>
-            <a:r>
-              <a:rPr lang="zh-TW" altLang="en-US" sz="5400" b="1" dirty="0">
-                <a:latin typeface="微軟正黑體" pitchFamily="34" charset="-120"/>
-                <a:ea typeface="微軟正黑體" pitchFamily="34" charset="-120"/>
-              </a:rPr>
-              <a:t>的心深深</a:t>
-            </a:r>
-            <a:r>
-              <a:rPr lang="zh-TW" altLang="en-US" sz="5400" b="1" dirty="0" smtClean="0">
-                <a:latin typeface="微軟正黑體" pitchFamily="34" charset="-120"/>
-                <a:ea typeface="微軟正黑體" pitchFamily="34" charset="-120"/>
-              </a:rPr>
-              <a:t>被</a:t>
-            </a:r>
-            <a:r>
-              <a:rPr lang="zh-CN" altLang="en-US" sz="5400" b="1" dirty="0" smtClean="0">
-                <a:latin typeface="微軟正黑體" pitchFamily="34" charset="-120"/>
-                <a:ea typeface="微軟正黑體" pitchFamily="34" charset="-120"/>
-              </a:rPr>
-              <a:t>袮</a:t>
-            </a:r>
-            <a:r>
-              <a:rPr lang="zh-TW" altLang="en-US" sz="5400" b="1" dirty="0" smtClean="0">
-                <a:latin typeface="微軟正黑體" pitchFamily="34" charset="-120"/>
-                <a:ea typeface="微軟正黑體" pitchFamily="34" charset="-120"/>
-              </a:rPr>
-              <a:t>吸引</a:t>
-            </a:r>
-            <a:endParaRPr lang="en-US" altLang="zh-TW" sz="5400" b="1" dirty="0" smtClean="0">
-              <a:latin typeface="微軟正黑體" pitchFamily="34" charset="-120"/>
-              <a:ea typeface="微軟正黑體" pitchFamily="34" charset="-120"/>
-            </a:endParaRPr>
-          </a:p>
-          <a:p>
-            <a:pPr algn="ctr">
-              <a:buNone/>
-            </a:pPr>
-            <a:r>
-              <a:rPr lang="zh-TW" altLang="en-US" sz="5400" b="1" dirty="0" smtClean="0">
-                <a:latin typeface="微軟正黑體" pitchFamily="34" charset="-120"/>
-                <a:ea typeface="微軟正黑體" pitchFamily="34" charset="-120"/>
-              </a:rPr>
-              <a:t>愛</a:t>
-            </a:r>
-            <a:r>
-              <a:rPr lang="zh-CN" altLang="en-US" sz="5400" b="1" dirty="0" smtClean="0">
-                <a:latin typeface="微軟正黑體" pitchFamily="34" charset="-120"/>
-                <a:ea typeface="微軟正黑體" pitchFamily="34" charset="-120"/>
-              </a:rPr>
-              <a:t>袮</a:t>
-            </a:r>
-            <a:r>
-              <a:rPr lang="zh-TW" altLang="en-US" sz="5400" b="1" dirty="0" smtClean="0">
-                <a:latin typeface="微軟正黑體" pitchFamily="34" charset="-120"/>
-                <a:ea typeface="微軟正黑體" pitchFamily="34" charset="-120"/>
-              </a:rPr>
-              <a:t>是</a:t>
-            </a:r>
-            <a:r>
-              <a:rPr lang="zh-TW" altLang="en-US" sz="5400" b="1" dirty="0">
-                <a:latin typeface="微軟正黑體" pitchFamily="34" charset="-120"/>
-                <a:ea typeface="微軟正黑體" pitchFamily="34" charset="-120"/>
-              </a:rPr>
-              <a:t>我的</a:t>
-            </a:r>
-            <a:r>
-              <a:rPr lang="zh-TW" altLang="en-US" sz="5400" b="1" dirty="0" smtClean="0">
-                <a:latin typeface="微軟正黑體" pitchFamily="34" charset="-120"/>
-                <a:ea typeface="微軟正黑體" pitchFamily="34" charset="-120"/>
-              </a:rPr>
-              <a:t>喜樂</a:t>
-            </a:r>
-            <a:endParaRPr lang="zh-TW" altLang="en-US" sz="5400" b="1" dirty="0">
-              <a:latin typeface="微軟正黑體" pitchFamily="34" charset="-120"/>
-              <a:ea typeface="微軟正黑體" pitchFamily="34" charset="-120"/>
-            </a:endParaRPr>
-          </a:p>
-        </p:txBody>
-      </p:sp>
     </p:spTree>
+    <p:extLst>
+      <p:ext uri="{BB962C8B-B14F-4D97-AF65-F5344CB8AC3E}">
+        <p14:creationId xmlns:p14="http://schemas.microsoft.com/office/powerpoint/2010/main" val="1615515326"/>
+      </p:ext>
+    </p:extLst>
   </p:cSld>
   <p:clrMapOvr>
     <a:masterClrMapping/>
@@ -3305,41 +3210,274 @@
       </p:grpSpPr>
       <p:sp>
         <p:nvSpPr>
-          <p:cNvPr id="2" name="標題 1"/>
-          <p:cNvSpPr>
-            <a:spLocks noGrp="1"/>
-          </p:cNvSpPr>
-          <p:nvPr>
-            <p:ph type="title"/>
-          </p:nvPr>
-        </p:nvSpPr>
-        <p:spPr/>
-        <p:txBody>
-          <a:bodyPr/>
-          <a:lstStyle/>
-          <a:p>
-            <a:r>
-              <a:rPr lang="zh-TW" altLang="en-US" b="1" dirty="0">
+          <p:cNvPr id="5" name="內容版面配置區 4"/>
+          <p:cNvSpPr>
+            <a:spLocks noGrp="1"/>
+          </p:cNvSpPr>
+          <p:nvPr>
+            <p:ph idx="1"/>
+          </p:nvPr>
+        </p:nvSpPr>
+        <p:spPr>
+          <a:xfrm>
+            <a:off x="0" y="1563638"/>
+            <a:ext cx="9144000" cy="1803647"/>
+          </a:xfrm>
+        </p:spPr>
+        <p:txBody>
+          <a:bodyPr anchor="ctr">
+            <a:normAutofit/>
+          </a:bodyPr>
+          <a:lstStyle/>
+          <a:p>
+            <a:pPr algn="ctr">
+              <a:buNone/>
+            </a:pPr>
+            <a:r>
+              <a:rPr lang="zh-TW" altLang="en-US" sz="4800" b="1" dirty="0">
+                <a:solidFill>
+                  <a:srgbClr val="660033"/>
+                </a:solidFill>
                 <a:latin typeface="微軟正黑體" pitchFamily="34" charset="-120"/>
                 <a:ea typeface="微軟正黑體" pitchFamily="34" charset="-120"/>
               </a:rPr>
-              <a:t>一生</a:t>
-            </a:r>
-            <a:r>
-              <a:rPr lang="zh-TW" altLang="en-US" b="1" dirty="0" smtClean="0">
+              <a:t>親愛的寶貴耶穌</a:t>
+            </a:r>
+            <a:endParaRPr lang="en-US" altLang="zh-TW" sz="4800" b="1" dirty="0">
+              <a:solidFill>
+                <a:srgbClr val="660033"/>
+              </a:solidFill>
+              <a:latin typeface="微軟正黑體" pitchFamily="34" charset="-120"/>
+              <a:ea typeface="微軟正黑體" pitchFamily="34" charset="-120"/>
+            </a:endParaRPr>
+          </a:p>
+          <a:p>
+            <a:pPr algn="ctr">
+              <a:buNone/>
+            </a:pPr>
+            <a:r>
+              <a:rPr lang="zh-CN" altLang="en-US" sz="4800" b="1" dirty="0">
+                <a:solidFill>
+                  <a:srgbClr val="660033"/>
+                </a:solidFill>
+                <a:latin typeface="微軟正黑體" pitchFamily="34" charset="-120"/>
+                <a:ea typeface="微軟正黑體" pitchFamily="34" charset="-120"/>
+              </a:rPr>
+              <a:t>袮</a:t>
+            </a:r>
+            <a:r>
+              <a:rPr lang="zh-TW" altLang="en-US" sz="4800" b="1" dirty="0">
+                <a:solidFill>
+                  <a:srgbClr val="660033"/>
+                </a:solidFill>
+                <a:latin typeface="微軟正黑體" pitchFamily="34" charset="-120"/>
+                <a:ea typeface="微軟正黑體" pitchFamily="34" charset="-120"/>
+              </a:rPr>
+              <a:t>愛何等地甘甜</a:t>
+            </a:r>
+            <a:endParaRPr lang="en-US" altLang="zh-TW" sz="4800" b="1" dirty="0">
+              <a:solidFill>
+                <a:srgbClr val="660033"/>
+              </a:solidFill>
+              <a:latin typeface="微軟正黑體" pitchFamily="34" charset="-120"/>
+              <a:ea typeface="微軟正黑體" pitchFamily="34" charset="-120"/>
+            </a:endParaRPr>
+          </a:p>
+        </p:txBody>
+      </p:sp>
+      <p:sp>
+        <p:nvSpPr>
+          <p:cNvPr id="3" name="TextBox 2"/>
+          <p:cNvSpPr txBox="1"/>
+          <p:nvPr/>
+        </p:nvSpPr>
+        <p:spPr>
+          <a:xfrm>
+            <a:off x="0" y="3867894"/>
+            <a:ext cx="9144000" cy="584775"/>
+          </a:xfrm>
+          <a:prstGeom prst="rect">
+            <a:avLst/>
+          </a:prstGeom>
+          <a:noFill/>
+        </p:spPr>
+        <p:txBody>
+          <a:bodyPr wrap="square" rtlCol="0">
+            <a:spAutoFit/>
+          </a:bodyPr>
+          <a:lstStyle/>
+          <a:p>
+            <a:pPr algn="ctr"/>
+            <a:r>
+              <a:rPr lang="en-US" sz="3200" b="1" dirty="0" smtClean="0">
+                <a:solidFill>
+                  <a:srgbClr val="660033"/>
+                </a:solidFill>
+                <a:latin typeface="Microsoft JhengHei" panose="020B0604030504040204" pitchFamily="34" charset="-120"/>
+                <a:ea typeface="Microsoft JhengHei" panose="020B0604030504040204" pitchFamily="34" charset="-120"/>
+              </a:rPr>
+              <a:t>( </a:t>
+            </a:r>
+            <a:r>
+              <a:rPr lang="zh-CN" altLang="en-US" sz="3200" b="1" dirty="0" smtClean="0">
+                <a:solidFill>
+                  <a:srgbClr val="660033"/>
+                </a:solidFill>
+                <a:latin typeface="Microsoft JhengHei" panose="020B0604030504040204" pitchFamily="34" charset="-120"/>
+                <a:ea typeface="Microsoft JhengHei" panose="020B0604030504040204" pitchFamily="34" charset="-120"/>
+              </a:rPr>
+              <a:t>正</a:t>
+            </a:r>
+            <a:r>
+              <a:rPr lang="en-US" sz="3200" b="1" dirty="0" smtClean="0">
+                <a:solidFill>
+                  <a:srgbClr val="660033"/>
+                </a:solidFill>
+                <a:latin typeface="Microsoft JhengHei" panose="020B0604030504040204" pitchFamily="34" charset="-120"/>
+                <a:ea typeface="Microsoft JhengHei" panose="020B0604030504040204" pitchFamily="34" charset="-120"/>
+              </a:rPr>
+              <a:t> )</a:t>
+            </a:r>
+            <a:endParaRPr lang="vi-VN" sz="3200" b="1" dirty="0">
+              <a:solidFill>
+                <a:srgbClr val="660033"/>
+              </a:solidFill>
+              <a:ea typeface="Microsoft JhengHei" panose="020B0604030504040204" pitchFamily="34" charset="-120"/>
+            </a:endParaRPr>
+          </a:p>
+        </p:txBody>
+      </p:sp>
+    </p:spTree>
+    <p:extLst>
+      <p:ext uri="{BB962C8B-B14F-4D97-AF65-F5344CB8AC3E}">
+        <p14:creationId xmlns:p14="http://schemas.microsoft.com/office/powerpoint/2010/main" val="1921757579"/>
+      </p:ext>
+    </p:extLst>
+  </p:cSld>
+  <p:clrMapOvr>
+    <a:masterClrMapping/>
+  </p:clrMapOvr>
+</p:sld>
+</file>
+
+<file path=ppt/slides/slide3.xml><?xml version="1.0" encoding="utf-8"?>
+<p:sld xmlns:a="http://schemas.openxmlformats.org/drawingml/2006/main" xmlns:r="http://schemas.openxmlformats.org/officeDocument/2006/relationships" xmlns:p="http://schemas.openxmlformats.org/presentationml/2006/main">
+  <p:cSld>
+    <p:spTree>
+      <p:nvGrpSpPr>
+        <p:cNvPr id="1" name=""/>
+        <p:cNvGrpSpPr/>
+        <p:nvPr/>
+      </p:nvGrpSpPr>
+      <p:grpSpPr>
+        <a:xfrm>
+          <a:off x="0" y="0"/>
+          <a:ext cx="0" cy="0"/>
+          <a:chOff x="0" y="0"/>
+          <a:chExt cx="0" cy="0"/>
+        </a:xfrm>
+      </p:grpSpPr>
+      <p:sp>
+        <p:nvSpPr>
+          <p:cNvPr id="5" name="內容版面配置區 4"/>
+          <p:cNvSpPr>
+            <a:spLocks noGrp="1"/>
+          </p:cNvSpPr>
+          <p:nvPr>
+            <p:ph idx="1"/>
+          </p:nvPr>
+        </p:nvSpPr>
+        <p:spPr>
+          <a:xfrm>
+            <a:off x="0" y="1563638"/>
+            <a:ext cx="9144000" cy="1803647"/>
+          </a:xfrm>
+        </p:spPr>
+        <p:txBody>
+          <a:bodyPr anchor="ctr">
+            <a:normAutofit/>
+          </a:bodyPr>
+          <a:lstStyle/>
+          <a:p>
+            <a:pPr algn="ctr">
+              <a:buNone/>
+            </a:pPr>
+            <a:r>
+              <a:rPr lang="zh-TW" altLang="en-US" sz="4800" b="1" dirty="0">
+                <a:solidFill>
+                  <a:srgbClr val="660033"/>
+                </a:solidFill>
+                <a:latin typeface="微軟正黑體" pitchFamily="34" charset="-120"/>
+                <a:ea typeface="微軟正黑體" pitchFamily="34" charset="-120"/>
+              </a:rPr>
+              <a:t>我的心深深被</a:t>
+            </a:r>
+            <a:r>
+              <a:rPr lang="zh-CN" altLang="en-US" sz="4800" b="1" dirty="0">
+                <a:solidFill>
+                  <a:srgbClr val="660033"/>
+                </a:solidFill>
+                <a:latin typeface="微軟正黑體" pitchFamily="34" charset="-120"/>
+                <a:ea typeface="微軟正黑體" pitchFamily="34" charset="-120"/>
+              </a:rPr>
+              <a:t>袮</a:t>
+            </a:r>
+            <a:r>
+              <a:rPr lang="zh-TW" altLang="en-US" sz="4800" b="1" dirty="0">
+                <a:solidFill>
+                  <a:srgbClr val="660033"/>
+                </a:solidFill>
+                <a:latin typeface="微軟正黑體" pitchFamily="34" charset="-120"/>
+                <a:ea typeface="微軟正黑體" pitchFamily="34" charset="-120"/>
+              </a:rPr>
+              <a:t>吸引</a:t>
+            </a:r>
+            <a:endParaRPr lang="en-US" altLang="zh-TW" sz="4800" b="1" dirty="0">
+              <a:solidFill>
+                <a:srgbClr val="660033"/>
+              </a:solidFill>
+              <a:latin typeface="微軟正黑體" pitchFamily="34" charset="-120"/>
+              <a:ea typeface="微軟正黑體" pitchFamily="34" charset="-120"/>
+            </a:endParaRPr>
+          </a:p>
+          <a:p>
+            <a:pPr algn="ctr">
+              <a:buNone/>
+            </a:pPr>
+            <a:r>
+              <a:rPr lang="zh-TW" altLang="en-US" sz="4800" b="1" dirty="0">
+                <a:solidFill>
+                  <a:srgbClr val="660033"/>
+                </a:solidFill>
                 <a:latin typeface="微軟正黑體" pitchFamily="34" charset="-120"/>
                 <a:ea typeface="微軟正黑體" pitchFamily="34" charset="-120"/>
               </a:rPr>
               <a:t>愛</a:t>
             </a:r>
             <a:r>
-              <a:rPr lang="zh-CN" altLang="en-US" b="1" dirty="0" smtClean="0">
+              <a:rPr lang="zh-CN" altLang="en-US" sz="4800" b="1" dirty="0">
+                <a:solidFill>
+                  <a:srgbClr val="660033"/>
+                </a:solidFill>
                 <a:latin typeface="微軟正黑體" pitchFamily="34" charset="-120"/>
                 <a:ea typeface="微軟正黑體" pitchFamily="34" charset="-120"/>
               </a:rPr>
               <a:t>袮</a:t>
             </a:r>
-            <a:endParaRPr lang="zh-TW" altLang="en-US" b="1" dirty="0">
+            <a:r>
+              <a:rPr lang="zh-TW" altLang="en-US" sz="4800" b="1" dirty="0">
+                <a:solidFill>
+                  <a:srgbClr val="660033"/>
+                </a:solidFill>
+                <a:latin typeface="微軟正黑體" pitchFamily="34" charset="-120"/>
+                <a:ea typeface="微軟正黑體" pitchFamily="34" charset="-120"/>
+              </a:rPr>
+              <a:t>是我的喜樂</a:t>
+            </a:r>
+            <a:endParaRPr lang="zh-TW" altLang="en-US" sz="4800" b="1" dirty="0">
+              <a:solidFill>
+                <a:srgbClr val="660033"/>
+              </a:solidFill>
               <a:latin typeface="微軟正黑體" pitchFamily="34" charset="-120"/>
               <a:ea typeface="微軟正黑體" pitchFamily="34" charset="-120"/>
             </a:endParaRPr>
@@ -3348,7 +3486,99 @@
       </p:sp>
       <p:sp>
         <p:nvSpPr>
-          <p:cNvPr id="3" name="內容版面配置區 2"/>
+          <p:cNvPr id="3" name="TextBox 2"/>
+          <p:cNvSpPr txBox="1"/>
+          <p:nvPr/>
+        </p:nvSpPr>
+        <p:spPr>
+          <a:xfrm>
+            <a:off x="0" y="3867894"/>
+            <a:ext cx="9144000" cy="584775"/>
+          </a:xfrm>
+          <a:prstGeom prst="rect">
+            <a:avLst/>
+          </a:prstGeom>
+          <a:noFill/>
+        </p:spPr>
+        <p:txBody>
+          <a:bodyPr wrap="square" rtlCol="0">
+            <a:spAutoFit/>
+          </a:bodyPr>
+          <a:lstStyle/>
+          <a:p>
+            <a:pPr algn="ctr"/>
+            <a:r>
+              <a:rPr lang="en-US" sz="3200" b="1" dirty="0" smtClean="0">
+                <a:solidFill>
+                  <a:srgbClr val="660033"/>
+                </a:solidFill>
+                <a:latin typeface="Microsoft JhengHei" panose="020B0604030504040204" pitchFamily="34" charset="-120"/>
+                <a:ea typeface="Microsoft JhengHei" panose="020B0604030504040204" pitchFamily="34" charset="-120"/>
+              </a:rPr>
+              <a:t>( </a:t>
+            </a:r>
+            <a:r>
+              <a:rPr lang="zh-CN" altLang="en-US" sz="3200" b="1" dirty="0" smtClean="0">
+                <a:solidFill>
+                  <a:srgbClr val="660033"/>
+                </a:solidFill>
+                <a:latin typeface="Microsoft JhengHei" panose="020B0604030504040204" pitchFamily="34" charset="-120"/>
+                <a:ea typeface="Microsoft JhengHei" panose="020B0604030504040204" pitchFamily="34" charset="-120"/>
+              </a:rPr>
+              <a:t>正</a:t>
+            </a:r>
+            <a:r>
+              <a:rPr lang="en-US" sz="3200" b="1" dirty="0" smtClean="0">
+                <a:solidFill>
+                  <a:srgbClr val="660033"/>
+                </a:solidFill>
+                <a:latin typeface="Microsoft JhengHei" panose="020B0604030504040204" pitchFamily="34" charset="-120"/>
+                <a:ea typeface="Microsoft JhengHei" panose="020B0604030504040204" pitchFamily="34" charset="-120"/>
+              </a:rPr>
+              <a:t> )</a:t>
+            </a:r>
+            <a:endParaRPr lang="vi-VN" sz="3200" b="1" dirty="0">
+              <a:solidFill>
+                <a:srgbClr val="660033"/>
+              </a:solidFill>
+              <a:ea typeface="Microsoft JhengHei" panose="020B0604030504040204" pitchFamily="34" charset="-120"/>
+            </a:endParaRPr>
+          </a:p>
+        </p:txBody>
+      </p:sp>
+    </p:spTree>
+    <p:extLst>
+      <p:ext uri="{BB962C8B-B14F-4D97-AF65-F5344CB8AC3E}">
+        <p14:creationId xmlns:p14="http://schemas.microsoft.com/office/powerpoint/2010/main" val="1794113976"/>
+      </p:ext>
+    </p:extLst>
+  </p:cSld>
+  <p:clrMapOvr>
+    <a:masterClrMapping/>
+  </p:clrMapOvr>
+</p:sld>
+</file>
+
+<file path=ppt/slides/slide4.xml><?xml version="1.0" encoding="utf-8"?>
+<p:sld xmlns:a="http://schemas.openxmlformats.org/drawingml/2006/main" xmlns:r="http://schemas.openxmlformats.org/officeDocument/2006/relationships" xmlns:p="http://schemas.openxmlformats.org/presentationml/2006/main">
+  <p:cSld>
+    <p:spTree>
+      <p:nvGrpSpPr>
+        <p:cNvPr id="1" name=""/>
+        <p:cNvGrpSpPr/>
+        <p:nvPr/>
+      </p:nvGrpSpPr>
+      <p:grpSpPr>
+        <a:xfrm>
+          <a:off x="0" y="0"/>
+          <a:ext cx="0" cy="0"/>
+          <a:chOff x="0" y="0"/>
+          <a:chExt cx="0" cy="0"/>
+        </a:xfrm>
+      </p:grpSpPr>
+      <p:sp>
+        <p:nvSpPr>
+          <p:cNvPr id="5" name="內容版面配置區 4"/>
           <p:cNvSpPr>
             <a:spLocks noGrp="1"/>
           </p:cNvSpPr>
@@ -3356,10 +3586,15 @@
             <p:ph idx="1"/>
           </p:nvPr>
         </p:nvSpPr>
-        <p:spPr/>
-        <p:txBody>
-          <a:bodyPr>
-            <a:normAutofit fontScale="92500" lnSpcReduction="10000"/>
+        <p:spPr>
+          <a:xfrm>
+            <a:off x="0" y="1563638"/>
+            <a:ext cx="9144000" cy="1803647"/>
+          </a:xfrm>
+        </p:spPr>
+        <p:txBody>
+          <a:bodyPr anchor="ctr">
+            <a:normAutofit/>
           </a:bodyPr>
           <a:lstStyle/>
           <a:p>
@@ -3367,55 +3602,49 @@
               <a:buNone/>
             </a:pPr>
             <a:r>
-              <a:rPr lang="zh-TW" altLang="en-US" sz="5400" b="1" dirty="0">
+              <a:rPr lang="zh-TW" altLang="en-US" sz="4800" b="1" dirty="0">
+                <a:solidFill>
+                  <a:srgbClr val="660033"/>
+                </a:solidFill>
                 <a:latin typeface="微軟正黑體" pitchFamily="34" charset="-120"/>
                 <a:ea typeface="微軟正黑體" pitchFamily="34" charset="-120"/>
               </a:rPr>
-              <a:t>一生</a:t>
-            </a:r>
-            <a:r>
-              <a:rPr lang="zh-TW" altLang="en-US" sz="5400" b="1" dirty="0" smtClean="0">
-                <a:latin typeface="微軟正黑體" pitchFamily="34" charset="-120"/>
-                <a:ea typeface="微軟正黑體" pitchFamily="34" charset="-120"/>
-              </a:rPr>
-              <a:t>愛</a:t>
-            </a:r>
-            <a:r>
-              <a:rPr lang="zh-CN" altLang="en-US" sz="5400" b="1" dirty="0" smtClean="0">
+              <a:t>一生愛</a:t>
+            </a:r>
+            <a:r>
+              <a:rPr lang="zh-CN" altLang="en-US" sz="4800" b="1" dirty="0">
+                <a:solidFill>
+                  <a:srgbClr val="660033"/>
+                </a:solidFill>
                 <a:latin typeface="微軟正黑體" pitchFamily="34" charset="-120"/>
                 <a:ea typeface="微軟正黑體" pitchFamily="34" charset="-120"/>
               </a:rPr>
               <a:t>袮  </a:t>
             </a:r>
             <a:r>
-              <a:rPr lang="zh-TW" altLang="en-US" sz="5400" b="1" dirty="0" smtClean="0">
+              <a:rPr lang="zh-TW" altLang="en-US" sz="4800" b="1" dirty="0">
+                <a:solidFill>
+                  <a:srgbClr val="660033"/>
+                </a:solidFill>
                 <a:latin typeface="微軟正黑體" pitchFamily="34" charset="-120"/>
                 <a:ea typeface="微軟正黑體" pitchFamily="34" charset="-120"/>
               </a:rPr>
-              <a:t>一生</a:t>
-            </a:r>
-            <a:r>
-              <a:rPr lang="zh-TW" altLang="en-US" sz="5400" b="1" dirty="0">
-                <a:latin typeface="微軟正黑體" pitchFamily="34" charset="-120"/>
-                <a:ea typeface="微軟正黑體" pitchFamily="34" charset="-120"/>
-              </a:rPr>
-              <a:t>敬</a:t>
-            </a:r>
-            <a:r>
-              <a:rPr lang="zh-TW" altLang="en-US" sz="5400" b="1" dirty="0" smtClean="0">
-                <a:latin typeface="微軟正黑體" pitchFamily="34" charset="-120"/>
-                <a:ea typeface="微軟正黑體" pitchFamily="34" charset="-120"/>
-              </a:rPr>
-              <a:t>拜</a:t>
-            </a:r>
-            <a:r>
-              <a:rPr lang="zh-CN" altLang="en-US" sz="5400" b="1" dirty="0" smtClean="0">
+              <a:t>一生敬拜</a:t>
+            </a:r>
+            <a:r>
+              <a:rPr lang="zh-CN" altLang="en-US" sz="4800" b="1" dirty="0">
+                <a:solidFill>
+                  <a:srgbClr val="660033"/>
+                </a:solidFill>
                 <a:latin typeface="微軟正黑體" pitchFamily="34" charset="-120"/>
                 <a:ea typeface="微軟正黑體" pitchFamily="34" charset="-120"/>
               </a:rPr>
               <a:t>袮</a:t>
             </a:r>
-            <a:endParaRPr lang="en-US" altLang="zh-TW" sz="5400" b="1" dirty="0">
+            <a:endParaRPr lang="en-US" altLang="zh-TW" sz="4800" b="1" dirty="0">
+              <a:solidFill>
+                <a:srgbClr val="660033"/>
+              </a:solidFill>
               <a:latin typeface="微軟正黑體" pitchFamily="34" charset="-120"/>
               <a:ea typeface="微軟正黑體" pitchFamily="34" charset="-120"/>
             </a:endParaRPr>
@@ -3425,122 +3654,332 @@
               <a:buNone/>
             </a:pPr>
             <a:r>
-              <a:rPr lang="zh-TW" altLang="en-US" sz="5400" b="1" dirty="0">
+              <a:rPr lang="zh-TW" altLang="en-US" sz="4800" b="1" dirty="0">
+                <a:solidFill>
+                  <a:srgbClr val="660033"/>
+                </a:solidFill>
                 <a:latin typeface="微軟正黑體" pitchFamily="34" charset="-120"/>
                 <a:ea typeface="微軟正黑體" pitchFamily="34" charset="-120"/>
               </a:rPr>
-              <a:t>一生</a:t>
-            </a:r>
-            <a:r>
-              <a:rPr lang="zh-TW" altLang="en-US" sz="5400" b="1" dirty="0" smtClean="0">
-                <a:latin typeface="微軟正黑體" pitchFamily="34" charset="-120"/>
-                <a:ea typeface="微軟正黑體" pitchFamily="34" charset="-120"/>
-              </a:rPr>
-              <a:t>愛</a:t>
-            </a:r>
-            <a:r>
-              <a:rPr lang="zh-CN" altLang="en-US" sz="5400" b="1" dirty="0" smtClean="0">
+              <a:t>一生愛</a:t>
+            </a:r>
+            <a:r>
+              <a:rPr lang="zh-CN" altLang="en-US" sz="4800" b="1" dirty="0">
+                <a:solidFill>
+                  <a:srgbClr val="660033"/>
+                </a:solidFill>
                 <a:latin typeface="微軟正黑體" pitchFamily="34" charset="-120"/>
                 <a:ea typeface="微軟正黑體" pitchFamily="34" charset="-120"/>
               </a:rPr>
               <a:t>袮  </a:t>
             </a:r>
             <a:r>
-              <a:rPr lang="zh-TW" altLang="en-US" sz="5400" b="1" dirty="0" smtClean="0">
+              <a:rPr lang="zh-TW" altLang="en-US" sz="4800" b="1" dirty="0">
+                <a:solidFill>
+                  <a:srgbClr val="660033"/>
+                </a:solidFill>
                 <a:latin typeface="微軟正黑體" pitchFamily="34" charset="-120"/>
                 <a:ea typeface="微軟正黑體" pitchFamily="34" charset="-120"/>
               </a:rPr>
               <a:t>一生榮耀</a:t>
             </a:r>
             <a:r>
-              <a:rPr lang="zh-CN" altLang="en-US" sz="5400" b="1" dirty="0" smtClean="0">
+              <a:rPr lang="zh-CN" altLang="en-US" sz="4800" b="1" dirty="0">
+                <a:solidFill>
+                  <a:srgbClr val="660033"/>
+                </a:solidFill>
                 <a:latin typeface="微軟正黑體" pitchFamily="34" charset="-120"/>
                 <a:ea typeface="微軟正黑體" pitchFamily="34" charset="-120"/>
               </a:rPr>
               <a:t>袮</a:t>
             </a:r>
-            <a:endParaRPr lang="en-US" altLang="zh-TW" sz="5400" b="1" dirty="0">
+            <a:endParaRPr lang="en-US" altLang="zh-TW" sz="4800" b="1" dirty="0">
+              <a:solidFill>
+                <a:srgbClr val="660033"/>
+              </a:solidFill>
               <a:latin typeface="微軟正黑體" pitchFamily="34" charset="-120"/>
               <a:ea typeface="微軟正黑體" pitchFamily="34" charset="-120"/>
             </a:endParaRPr>
           </a:p>
+        </p:txBody>
+      </p:sp>
+      <p:sp>
+        <p:nvSpPr>
+          <p:cNvPr id="3" name="TextBox 2"/>
+          <p:cNvSpPr txBox="1"/>
+          <p:nvPr/>
+        </p:nvSpPr>
+        <p:spPr>
+          <a:xfrm>
+            <a:off x="0" y="3867894"/>
+            <a:ext cx="9144000" cy="584775"/>
+          </a:xfrm>
+          <a:prstGeom prst="rect">
+            <a:avLst/>
+          </a:prstGeom>
+          <a:noFill/>
+        </p:spPr>
+        <p:txBody>
+          <a:bodyPr wrap="square" rtlCol="0">
+            <a:spAutoFit/>
+          </a:bodyPr>
+          <a:lstStyle/>
+          <a:p>
+            <a:pPr algn="ctr"/>
+            <a:r>
+              <a:rPr lang="en-US" sz="3200" b="1" dirty="0" smtClean="0">
+                <a:solidFill>
+                  <a:srgbClr val="660033"/>
+                </a:solidFill>
+                <a:latin typeface="Microsoft JhengHei" panose="020B0604030504040204" pitchFamily="34" charset="-120"/>
+                <a:ea typeface="Microsoft JhengHei" panose="020B0604030504040204" pitchFamily="34" charset="-120"/>
+              </a:rPr>
+              <a:t>( </a:t>
+            </a:r>
+            <a:r>
+              <a:rPr lang="zh-CN" altLang="en-US" sz="3200" b="1" dirty="0" smtClean="0">
+                <a:solidFill>
+                  <a:srgbClr val="660033"/>
+                </a:solidFill>
+                <a:latin typeface="Microsoft JhengHei" panose="020B0604030504040204" pitchFamily="34" charset="-120"/>
+                <a:ea typeface="Microsoft JhengHei" panose="020B0604030504040204" pitchFamily="34" charset="-120"/>
+              </a:rPr>
+              <a:t>副</a:t>
+            </a:r>
+            <a:r>
+              <a:rPr lang="en-US" sz="3200" b="1" dirty="0" smtClean="0">
+                <a:solidFill>
+                  <a:srgbClr val="660033"/>
+                </a:solidFill>
+                <a:latin typeface="Microsoft JhengHei" panose="020B0604030504040204" pitchFamily="34" charset="-120"/>
+                <a:ea typeface="Microsoft JhengHei" panose="020B0604030504040204" pitchFamily="34" charset="-120"/>
+              </a:rPr>
+              <a:t> </a:t>
+            </a:r>
+            <a:r>
+              <a:rPr lang="en-US" sz="3200" b="1" dirty="0" smtClean="0">
+                <a:solidFill>
+                  <a:srgbClr val="660033"/>
+                </a:solidFill>
+                <a:latin typeface="Microsoft JhengHei" panose="020B0604030504040204" pitchFamily="34" charset="-120"/>
+                <a:ea typeface="Microsoft JhengHei" panose="020B0604030504040204" pitchFamily="34" charset="-120"/>
+              </a:rPr>
+              <a:t>)</a:t>
+            </a:r>
+            <a:endParaRPr lang="vi-VN" sz="3200" b="1" dirty="0">
+              <a:solidFill>
+                <a:srgbClr val="660033"/>
+              </a:solidFill>
+              <a:ea typeface="Microsoft JhengHei" panose="020B0604030504040204" pitchFamily="34" charset="-120"/>
+            </a:endParaRPr>
+          </a:p>
+        </p:txBody>
+      </p:sp>
+    </p:spTree>
+    <p:extLst>
+      <p:ext uri="{BB962C8B-B14F-4D97-AF65-F5344CB8AC3E}">
+        <p14:creationId xmlns:p14="http://schemas.microsoft.com/office/powerpoint/2010/main" val="3488577280"/>
+      </p:ext>
+    </p:extLst>
+  </p:cSld>
+  <p:clrMapOvr>
+    <a:masterClrMapping/>
+  </p:clrMapOvr>
+</p:sld>
+</file>
+
+<file path=ppt/slides/slide5.xml><?xml version="1.0" encoding="utf-8"?>
+<p:sld xmlns:a="http://schemas.openxmlformats.org/drawingml/2006/main" xmlns:r="http://schemas.openxmlformats.org/officeDocument/2006/relationships" xmlns:p="http://schemas.openxmlformats.org/presentationml/2006/main">
+  <p:cSld>
+    <p:spTree>
+      <p:nvGrpSpPr>
+        <p:cNvPr id="1" name=""/>
+        <p:cNvGrpSpPr/>
+        <p:nvPr/>
+      </p:nvGrpSpPr>
+      <p:grpSpPr>
+        <a:xfrm>
+          <a:off x="0" y="0"/>
+          <a:ext cx="0" cy="0"/>
+          <a:chOff x="0" y="0"/>
+          <a:chExt cx="0" cy="0"/>
+        </a:xfrm>
+      </p:grpSpPr>
+      <p:sp>
+        <p:nvSpPr>
+          <p:cNvPr id="5" name="內容版面配置區 4"/>
+          <p:cNvSpPr>
+            <a:spLocks noGrp="1"/>
+          </p:cNvSpPr>
+          <p:nvPr>
+            <p:ph idx="1"/>
+          </p:nvPr>
+        </p:nvSpPr>
+        <p:spPr>
+          <a:xfrm>
+            <a:off x="0" y="1563638"/>
+            <a:ext cx="9144000" cy="1803647"/>
+          </a:xfrm>
+        </p:spPr>
+        <p:txBody>
+          <a:bodyPr anchor="ctr">
+            <a:normAutofit/>
+          </a:bodyPr>
+          <a:lstStyle/>
           <a:p>
             <a:pPr algn="ctr">
               <a:buNone/>
             </a:pPr>
             <a:r>
-              <a:rPr lang="zh-TW" altLang="en-US" sz="5400" b="1" dirty="0">
+              <a:rPr lang="zh-TW" altLang="en-US" sz="4800" b="1" dirty="0">
+                <a:solidFill>
+                  <a:srgbClr val="660033"/>
+                </a:solidFill>
                 <a:latin typeface="微軟正黑體" pitchFamily="34" charset="-120"/>
                 <a:ea typeface="微軟正黑體" pitchFamily="34" charset="-120"/>
               </a:rPr>
-              <a:t>一生奉獻  </a:t>
-            </a:r>
-            <a:r>
-              <a:rPr lang="zh-TW" altLang="en-US" sz="5400" b="1" dirty="0" smtClean="0">
+              <a:t>一生奉獻  一生不回頭</a:t>
+            </a:r>
+            <a:endParaRPr lang="en-US" altLang="zh-TW" sz="4800" b="1" dirty="0">
+              <a:solidFill>
+                <a:srgbClr val="660033"/>
+              </a:solidFill>
+              <a:latin typeface="微軟正黑體" pitchFamily="34" charset="-120"/>
+              <a:ea typeface="微軟正黑體" pitchFamily="34" charset="-120"/>
+            </a:endParaRPr>
+          </a:p>
+          <a:p>
+            <a:pPr algn="ctr">
+              <a:buNone/>
+            </a:pPr>
+            <a:r>
+              <a:rPr lang="zh-TW" altLang="en-US" sz="4800" b="1" dirty="0">
+                <a:solidFill>
+                  <a:srgbClr val="660033"/>
+                </a:solidFill>
                 <a:latin typeface="微軟正黑體" pitchFamily="34" charset="-120"/>
                 <a:ea typeface="微軟正黑體" pitchFamily="34" charset="-120"/>
               </a:rPr>
-              <a:t>一生</a:t>
-            </a:r>
-            <a:r>
-              <a:rPr lang="zh-TW" altLang="en-US" sz="5400" b="1" dirty="0">
-                <a:latin typeface="微軟正黑體" pitchFamily="34" charset="-120"/>
-                <a:ea typeface="微軟正黑體" pitchFamily="34" charset="-120"/>
-              </a:rPr>
-              <a:t>不回頭</a:t>
-            </a:r>
-            <a:endParaRPr lang="en-US" altLang="zh-TW" sz="5400" b="1" dirty="0">
-              <a:latin typeface="微軟正黑體" pitchFamily="34" charset="-120"/>
-              <a:ea typeface="微軟正黑體" pitchFamily="34" charset="-120"/>
-            </a:endParaRPr>
-          </a:p>
-          <a:p>
-            <a:pPr algn="ctr">
-              <a:buNone/>
-            </a:pPr>
-            <a:r>
-              <a:rPr lang="zh-TW" altLang="en-US" sz="5400" b="1" dirty="0">
-                <a:latin typeface="微軟正黑體" pitchFamily="34" charset="-120"/>
-                <a:ea typeface="微軟正黑體" pitchFamily="34" charset="-120"/>
-              </a:rPr>
-              <a:t>一生</a:t>
-            </a:r>
-            <a:r>
-              <a:rPr lang="zh-TW" altLang="en-US" sz="5400" b="1" dirty="0" smtClean="0">
-                <a:latin typeface="微軟正黑體" pitchFamily="34" charset="-120"/>
-                <a:ea typeface="微軟正黑體" pitchFamily="34" charset="-120"/>
-              </a:rPr>
-              <a:t>愛</a:t>
-            </a:r>
-            <a:r>
-              <a:rPr lang="zh-CN" altLang="en-US" sz="5400" b="1" dirty="0" smtClean="0">
+              <a:t>一生愛</a:t>
+            </a:r>
+            <a:r>
+              <a:rPr lang="zh-CN" altLang="en-US" sz="4800" b="1" dirty="0">
+                <a:solidFill>
+                  <a:srgbClr val="660033"/>
+                </a:solidFill>
                 <a:latin typeface="微軟正黑體" pitchFamily="34" charset="-120"/>
                 <a:ea typeface="微軟正黑體" pitchFamily="34" charset="-120"/>
               </a:rPr>
               <a:t>袮  </a:t>
             </a:r>
             <a:r>
-              <a:rPr lang="zh-TW" altLang="en-US" sz="5400" b="1" dirty="0" smtClean="0">
+              <a:rPr lang="zh-TW" altLang="en-US" sz="4800" b="1" dirty="0">
+                <a:solidFill>
+                  <a:srgbClr val="660033"/>
+                </a:solidFill>
                 <a:latin typeface="微軟正黑體" pitchFamily="34" charset="-120"/>
                 <a:ea typeface="微軟正黑體" pitchFamily="34" charset="-120"/>
               </a:rPr>
               <a:t>跟隨</a:t>
             </a:r>
             <a:r>
-              <a:rPr lang="zh-CN" altLang="en-US" sz="5400" b="1" dirty="0" smtClean="0">
+              <a:rPr lang="zh-CN" altLang="en-US" sz="4800" b="1" dirty="0">
+                <a:solidFill>
+                  <a:srgbClr val="660033"/>
+                </a:solidFill>
                 <a:latin typeface="微軟正黑體" pitchFamily="34" charset="-120"/>
                 <a:ea typeface="微軟正黑體" pitchFamily="34" charset="-120"/>
               </a:rPr>
               <a:t>袮</a:t>
             </a:r>
-            <a:endParaRPr lang="zh-TW" altLang="en-US" sz="5400" b="1" dirty="0">
+            <a:endParaRPr lang="zh-TW" altLang="en-US" sz="4800" b="1" dirty="0">
+              <a:solidFill>
+                <a:srgbClr val="660033"/>
+              </a:solidFill>
               <a:latin typeface="微軟正黑體" pitchFamily="34" charset="-120"/>
               <a:ea typeface="微軟正黑體" pitchFamily="34" charset="-120"/>
             </a:endParaRPr>
           </a:p>
         </p:txBody>
       </p:sp>
+      <p:sp>
+        <p:nvSpPr>
+          <p:cNvPr id="3" name="TextBox 2"/>
+          <p:cNvSpPr txBox="1"/>
+          <p:nvPr/>
+        </p:nvSpPr>
+        <p:spPr>
+          <a:xfrm>
+            <a:off x="0" y="3867894"/>
+            <a:ext cx="9144000" cy="584775"/>
+          </a:xfrm>
+          <a:prstGeom prst="rect">
+            <a:avLst/>
+          </a:prstGeom>
+          <a:noFill/>
+        </p:spPr>
+        <p:txBody>
+          <a:bodyPr wrap="square" rtlCol="0">
+            <a:spAutoFit/>
+          </a:bodyPr>
+          <a:lstStyle/>
+          <a:p>
+            <a:pPr algn="ctr"/>
+            <a:r>
+              <a:rPr lang="en-US" sz="3200" b="1" dirty="0" smtClean="0">
+                <a:solidFill>
+                  <a:srgbClr val="660033"/>
+                </a:solidFill>
+                <a:latin typeface="Microsoft JhengHei" panose="020B0604030504040204" pitchFamily="34" charset="-120"/>
+                <a:ea typeface="Microsoft JhengHei" panose="020B0604030504040204" pitchFamily="34" charset="-120"/>
+              </a:rPr>
+              <a:t>( </a:t>
+            </a:r>
+            <a:r>
+              <a:rPr lang="zh-CN" altLang="en-US" sz="3200" b="1" dirty="0" smtClean="0">
+                <a:solidFill>
+                  <a:srgbClr val="660033"/>
+                </a:solidFill>
+                <a:latin typeface="Microsoft JhengHei" panose="020B0604030504040204" pitchFamily="34" charset="-120"/>
+                <a:ea typeface="Microsoft JhengHei" panose="020B0604030504040204" pitchFamily="34" charset="-120"/>
+              </a:rPr>
+              <a:t>副</a:t>
+            </a:r>
+            <a:r>
+              <a:rPr lang="en-US" sz="3200" b="1" dirty="0" smtClean="0">
+                <a:solidFill>
+                  <a:srgbClr val="660033"/>
+                </a:solidFill>
+                <a:latin typeface="Microsoft JhengHei" panose="020B0604030504040204" pitchFamily="34" charset="-120"/>
+                <a:ea typeface="Microsoft JhengHei" panose="020B0604030504040204" pitchFamily="34" charset="-120"/>
+              </a:rPr>
+              <a:t> </a:t>
+            </a:r>
+            <a:r>
+              <a:rPr lang="en-US" sz="3200" b="1" dirty="0" smtClean="0">
+                <a:solidFill>
+                  <a:srgbClr val="660033"/>
+                </a:solidFill>
+                <a:latin typeface="Microsoft JhengHei" panose="020B0604030504040204" pitchFamily="34" charset="-120"/>
+                <a:ea typeface="Microsoft JhengHei" panose="020B0604030504040204" pitchFamily="34" charset="-120"/>
+              </a:rPr>
+              <a:t>)</a:t>
+            </a:r>
+            <a:endParaRPr lang="vi-VN" sz="3200" b="1" dirty="0">
+              <a:solidFill>
+                <a:srgbClr val="660033"/>
+              </a:solidFill>
+              <a:ea typeface="Microsoft JhengHei" panose="020B0604030504040204" pitchFamily="34" charset="-120"/>
+            </a:endParaRPr>
+          </a:p>
+        </p:txBody>
+      </p:sp>
     </p:spTree>
+    <p:extLst>
+      <p:ext uri="{BB962C8B-B14F-4D97-AF65-F5344CB8AC3E}">
+        <p14:creationId xmlns:p14="http://schemas.microsoft.com/office/powerpoint/2010/main" val="3001584911"/>
+      </p:ext>
+    </p:extLst>
   </p:cSld>
   <p:clrMapOvr>
     <a:masterClrMapping/>

--- a/一生愛你_中文版.pptx
+++ b/一生愛你_中文版.pptx
@@ -309,7 +309,7 @@
             <a:fld id="{DA729DBD-F3C4-41A6-8963-2EABA132BA7E}" type="datetimeFigureOut">
               <a:rPr lang="zh-TW" altLang="en-US" smtClean="0"/>
               <a:pPr/>
-              <a:t>2022/6/9</a:t>
+              <a:t>2023/2/4</a:t>
             </a:fld>
             <a:endParaRPr lang="zh-TW" altLang="en-US"/>
           </a:p>
@@ -476,7 +476,7 @@
             <a:fld id="{DA729DBD-F3C4-41A6-8963-2EABA132BA7E}" type="datetimeFigureOut">
               <a:rPr lang="zh-TW" altLang="en-US" smtClean="0"/>
               <a:pPr/>
-              <a:t>2022/6/9</a:t>
+              <a:t>2023/2/4</a:t>
             </a:fld>
             <a:endParaRPr lang="zh-TW" altLang="en-US"/>
           </a:p>
@@ -653,7 +653,7 @@
             <a:fld id="{DA729DBD-F3C4-41A6-8963-2EABA132BA7E}" type="datetimeFigureOut">
               <a:rPr lang="zh-TW" altLang="en-US" smtClean="0"/>
               <a:pPr/>
-              <a:t>2022/6/9</a:t>
+              <a:t>2023/2/4</a:t>
             </a:fld>
             <a:endParaRPr lang="zh-TW" altLang="en-US"/>
           </a:p>
@@ -820,7 +820,7 @@
             <a:fld id="{DA729DBD-F3C4-41A6-8963-2EABA132BA7E}" type="datetimeFigureOut">
               <a:rPr lang="zh-TW" altLang="en-US" smtClean="0"/>
               <a:pPr/>
-              <a:t>2022/6/9</a:t>
+              <a:t>2023/2/4</a:t>
             </a:fld>
             <a:endParaRPr lang="zh-TW" altLang="en-US"/>
           </a:p>
@@ -1063,7 +1063,7 @@
             <a:fld id="{DA729DBD-F3C4-41A6-8963-2EABA132BA7E}" type="datetimeFigureOut">
               <a:rPr lang="zh-TW" altLang="en-US" smtClean="0"/>
               <a:pPr/>
-              <a:t>2022/6/9</a:t>
+              <a:t>2023/2/4</a:t>
             </a:fld>
             <a:endParaRPr lang="zh-TW" altLang="en-US"/>
           </a:p>
@@ -1348,7 +1348,7 @@
             <a:fld id="{DA729DBD-F3C4-41A6-8963-2EABA132BA7E}" type="datetimeFigureOut">
               <a:rPr lang="zh-TW" altLang="en-US" smtClean="0"/>
               <a:pPr/>
-              <a:t>2022/6/9</a:t>
+              <a:t>2023/2/4</a:t>
             </a:fld>
             <a:endParaRPr lang="zh-TW" altLang="en-US"/>
           </a:p>
@@ -1767,7 +1767,7 @@
             <a:fld id="{DA729DBD-F3C4-41A6-8963-2EABA132BA7E}" type="datetimeFigureOut">
               <a:rPr lang="zh-TW" altLang="en-US" smtClean="0"/>
               <a:pPr/>
-              <a:t>2022/6/9</a:t>
+              <a:t>2023/2/4</a:t>
             </a:fld>
             <a:endParaRPr lang="zh-TW" altLang="en-US"/>
           </a:p>
@@ -1882,7 +1882,7 @@
             <a:fld id="{DA729DBD-F3C4-41A6-8963-2EABA132BA7E}" type="datetimeFigureOut">
               <a:rPr lang="zh-TW" altLang="en-US" smtClean="0"/>
               <a:pPr/>
-              <a:t>2022/6/9</a:t>
+              <a:t>2023/2/4</a:t>
             </a:fld>
             <a:endParaRPr lang="zh-TW" altLang="en-US"/>
           </a:p>
@@ -1974,7 +1974,7 @@
             <a:fld id="{DA729DBD-F3C4-41A6-8963-2EABA132BA7E}" type="datetimeFigureOut">
               <a:rPr lang="zh-TW" altLang="en-US" smtClean="0"/>
               <a:pPr/>
-              <a:t>2022/6/9</a:t>
+              <a:t>2023/2/4</a:t>
             </a:fld>
             <a:endParaRPr lang="zh-TW" altLang="en-US"/>
           </a:p>
@@ -2248,7 +2248,7 @@
             <a:fld id="{DA729DBD-F3C4-41A6-8963-2EABA132BA7E}" type="datetimeFigureOut">
               <a:rPr lang="zh-TW" altLang="en-US" smtClean="0"/>
               <a:pPr/>
-              <a:t>2022/6/9</a:t>
+              <a:t>2023/2/4</a:t>
             </a:fld>
             <a:endParaRPr lang="zh-TW" altLang="en-US"/>
           </a:p>
@@ -2502,7 +2502,7 @@
             <a:fld id="{DA729DBD-F3C4-41A6-8963-2EABA132BA7E}" type="datetimeFigureOut">
               <a:rPr lang="zh-TW" altLang="en-US" smtClean="0"/>
               <a:pPr/>
-              <a:t>2022/6/9</a:t>
+              <a:t>2023/2/4</a:t>
             </a:fld>
             <a:endParaRPr lang="zh-TW" altLang="en-US"/>
           </a:p>
@@ -2717,7 +2717,7 @@
             <a:fld id="{DA729DBD-F3C4-41A6-8963-2EABA132BA7E}" type="datetimeFigureOut">
               <a:rPr lang="zh-TW" altLang="en-US" smtClean="0"/>
               <a:pPr/>
-              <a:t>2022/6/9</a:t>
+              <a:t>2023/2/4</a:t>
             </a:fld>
             <a:endParaRPr lang="zh-TW" altLang="en-US"/>
           </a:p>
@@ -3294,7 +3294,7 @@
         <p:spPr>
           <a:xfrm>
             <a:off x="0" y="3867894"/>
-            <a:ext cx="9144000" cy="584775"/>
+            <a:ext cx="9144000" cy="523220"/>
           </a:xfrm>
           <a:prstGeom prst="rect">
             <a:avLst/>
@@ -3309,7 +3309,7 @@
           <a:p>
             <a:pPr algn="ctr"/>
             <a:r>
-              <a:rPr lang="en-US" sz="3200" b="1" dirty="0" smtClean="0">
+              <a:rPr lang="en-US" sz="2800" b="1" dirty="0" smtClean="0">
                 <a:solidFill>
                   <a:srgbClr val="660033"/>
                 </a:solidFill>
@@ -3319,26 +3319,36 @@
               <a:t>( </a:t>
             </a:r>
             <a:r>
-              <a:rPr lang="zh-CN" altLang="en-US" sz="3200" b="1" dirty="0" smtClean="0">
+              <a:rPr lang="zh-CN" altLang="en-US" sz="2800" b="1" dirty="0" smtClean="0">
                 <a:solidFill>
                   <a:srgbClr val="660033"/>
                 </a:solidFill>
                 <a:latin typeface="Microsoft JhengHei" panose="020B0604030504040204" pitchFamily="34" charset="-120"/>
                 <a:ea typeface="Microsoft JhengHei" panose="020B0604030504040204" pitchFamily="34" charset="-120"/>
               </a:rPr>
-              <a:t>正</a:t>
-            </a:r>
-            <a:r>
-              <a:rPr lang="en-US" sz="3200" b="1" dirty="0" smtClean="0">
+              <a:t>正歌</a:t>
+            </a:r>
+            <a:r>
+              <a:rPr lang="en-US" sz="2800" b="1" dirty="0" smtClean="0">
                 <a:solidFill>
                   <a:srgbClr val="660033"/>
                 </a:solidFill>
                 <a:latin typeface="Microsoft JhengHei" panose="020B0604030504040204" pitchFamily="34" charset="-120"/>
                 <a:ea typeface="Microsoft JhengHei" panose="020B0604030504040204" pitchFamily="34" charset="-120"/>
               </a:rPr>
-              <a:t> )</a:t>
-            </a:r>
-            <a:endParaRPr lang="vi-VN" sz="3200" b="1" dirty="0">
+              <a:t> </a:t>
+            </a:r>
+            <a:r>
+              <a:rPr lang="en-US" sz="2800" b="1" dirty="0" smtClean="0">
+                <a:solidFill>
+                  <a:srgbClr val="660033"/>
+                </a:solidFill>
+                <a:latin typeface="Microsoft JhengHei" panose="020B0604030504040204" pitchFamily="34" charset="-120"/>
+                <a:ea typeface="Microsoft JhengHei" panose="020B0604030504040204" pitchFamily="34" charset="-120"/>
+              </a:rPr>
+              <a:t>)</a:t>
+            </a:r>
+            <a:endParaRPr lang="vi-VN" sz="2800" b="1" dirty="0">
               <a:solidFill>
                 <a:srgbClr val="660033"/>
               </a:solidFill>
@@ -3474,13 +3484,6 @@
               </a:rPr>
               <a:t>是我的喜樂</a:t>
             </a:r>
-            <a:endParaRPr lang="zh-TW" altLang="en-US" sz="4800" b="1" dirty="0">
-              <a:solidFill>
-                <a:srgbClr val="660033"/>
-              </a:solidFill>
-              <a:latin typeface="微軟正黑體" pitchFamily="34" charset="-120"/>
-              <a:ea typeface="微軟正黑體" pitchFamily="34" charset="-120"/>
-            </a:endParaRPr>
           </a:p>
         </p:txBody>
       </p:sp>
@@ -3493,7 +3496,7 @@
         <p:spPr>
           <a:xfrm>
             <a:off x="0" y="3867894"/>
-            <a:ext cx="9144000" cy="584775"/>
+            <a:ext cx="9144000" cy="523220"/>
           </a:xfrm>
           <a:prstGeom prst="rect">
             <a:avLst/>
@@ -3508,7 +3511,7 @@
           <a:p>
             <a:pPr algn="ctr"/>
             <a:r>
-              <a:rPr lang="en-US" sz="3200" b="1" dirty="0" smtClean="0">
+              <a:rPr lang="en-US" sz="2800" b="1" dirty="0">
                 <a:solidFill>
                   <a:srgbClr val="660033"/>
                 </a:solidFill>
@@ -3518,17 +3521,17 @@
               <a:t>( </a:t>
             </a:r>
             <a:r>
-              <a:rPr lang="zh-CN" altLang="en-US" sz="3200" b="1" dirty="0" smtClean="0">
+              <a:rPr lang="zh-CN" altLang="en-US" sz="2800" b="1" dirty="0">
                 <a:solidFill>
                   <a:srgbClr val="660033"/>
                 </a:solidFill>
                 <a:latin typeface="Microsoft JhengHei" panose="020B0604030504040204" pitchFamily="34" charset="-120"/>
                 <a:ea typeface="Microsoft JhengHei" panose="020B0604030504040204" pitchFamily="34" charset="-120"/>
               </a:rPr>
-              <a:t>正</a:t>
-            </a:r>
-            <a:r>
-              <a:rPr lang="en-US" sz="3200" b="1" dirty="0" smtClean="0">
+              <a:t>正歌</a:t>
+            </a:r>
+            <a:r>
+              <a:rPr lang="en-US" sz="2800" b="1" dirty="0">
                 <a:solidFill>
                   <a:srgbClr val="660033"/>
                 </a:solidFill>
@@ -3537,10 +3540,11 @@
               </a:rPr>
               <a:t> )</a:t>
             </a:r>
-            <a:endParaRPr lang="vi-VN" sz="3200" b="1" dirty="0">
+            <a:endParaRPr lang="vi-VN" sz="2800" b="1" dirty="0">
               <a:solidFill>
                 <a:srgbClr val="660033"/>
               </a:solidFill>
+              <a:latin typeface="Microsoft JhengHei" panose="020B0604030504040204" pitchFamily="34" charset="-120"/>
               <a:ea typeface="Microsoft JhengHei" panose="020B0604030504040204" pitchFamily="34" charset="-120"/>
             </a:endParaRPr>
           </a:p>
@@ -3712,7 +3716,7 @@
         <p:spPr>
           <a:xfrm>
             <a:off x="0" y="3867894"/>
-            <a:ext cx="9144000" cy="584775"/>
+            <a:ext cx="9144000" cy="523220"/>
           </a:xfrm>
           <a:prstGeom prst="rect">
             <a:avLst/>
@@ -3727,7 +3731,7 @@
           <a:p>
             <a:pPr algn="ctr"/>
             <a:r>
-              <a:rPr lang="en-US" sz="3200" b="1" dirty="0" smtClean="0">
+              <a:rPr lang="en-US" sz="2800" b="1" dirty="0">
                 <a:solidFill>
                   <a:srgbClr val="660033"/>
                 </a:solidFill>
@@ -3737,17 +3741,17 @@
               <a:t>( </a:t>
             </a:r>
             <a:r>
-              <a:rPr lang="zh-CN" altLang="en-US" sz="3200" b="1" dirty="0" smtClean="0">
+              <a:rPr lang="zh-CN" altLang="en-US" sz="2800" b="1" dirty="0">
                 <a:solidFill>
                   <a:srgbClr val="660033"/>
                 </a:solidFill>
                 <a:latin typeface="Microsoft JhengHei" panose="020B0604030504040204" pitchFamily="34" charset="-120"/>
                 <a:ea typeface="Microsoft JhengHei" panose="020B0604030504040204" pitchFamily="34" charset="-120"/>
               </a:rPr>
-              <a:t>副</a:t>
-            </a:r>
-            <a:r>
-              <a:rPr lang="en-US" sz="3200" b="1" dirty="0" smtClean="0">
+              <a:t>副歌</a:t>
+            </a:r>
+            <a:r>
+              <a:rPr lang="en-US" sz="2800" b="1" dirty="0">
                 <a:solidFill>
                   <a:srgbClr val="660033"/>
                 </a:solidFill>
@@ -3757,7 +3761,7 @@
               <a:t> </a:t>
             </a:r>
             <a:r>
-              <a:rPr lang="en-US" sz="3200" b="1" dirty="0" smtClean="0">
+              <a:rPr lang="en-US" sz="2800" b="1" dirty="0">
                 <a:solidFill>
                   <a:srgbClr val="660033"/>
                 </a:solidFill>
@@ -3766,10 +3770,11 @@
               </a:rPr>
               <a:t>)</a:t>
             </a:r>
-            <a:endParaRPr lang="vi-VN" sz="3200" b="1" dirty="0">
+            <a:endParaRPr lang="vi-VN" sz="2800" b="1" dirty="0">
               <a:solidFill>
                 <a:srgbClr val="660033"/>
               </a:solidFill>
+              <a:latin typeface="Microsoft JhengHei" panose="020B0604030504040204" pitchFamily="34" charset="-120"/>
               <a:ea typeface="Microsoft JhengHei" panose="020B0604030504040204" pitchFamily="34" charset="-120"/>
             </a:endParaRPr>
           </a:p>
@@ -3911,7 +3916,7 @@
         <p:spPr>
           <a:xfrm>
             <a:off x="0" y="3867894"/>
-            <a:ext cx="9144000" cy="584775"/>
+            <a:ext cx="9144000" cy="523220"/>
           </a:xfrm>
           <a:prstGeom prst="rect">
             <a:avLst/>
@@ -3926,7 +3931,7 @@
           <a:p>
             <a:pPr algn="ctr"/>
             <a:r>
-              <a:rPr lang="en-US" sz="3200" b="1" dirty="0" smtClean="0">
+              <a:rPr lang="en-US" sz="2800" b="1" dirty="0">
                 <a:solidFill>
                   <a:srgbClr val="660033"/>
                 </a:solidFill>
@@ -3936,39 +3941,30 @@
               <a:t>( </a:t>
             </a:r>
             <a:r>
-              <a:rPr lang="zh-CN" altLang="en-US" sz="3200" b="1" dirty="0" smtClean="0">
+              <a:rPr lang="zh-CN" altLang="en-US" sz="2800" b="1" dirty="0">
                 <a:solidFill>
                   <a:srgbClr val="660033"/>
                 </a:solidFill>
                 <a:latin typeface="Microsoft JhengHei" panose="020B0604030504040204" pitchFamily="34" charset="-120"/>
                 <a:ea typeface="Microsoft JhengHei" panose="020B0604030504040204" pitchFamily="34" charset="-120"/>
               </a:rPr>
-              <a:t>副</a:t>
-            </a:r>
-            <a:r>
-              <a:rPr lang="en-US" sz="3200" b="1" dirty="0" smtClean="0">
+              <a:t>副歌</a:t>
+            </a:r>
+            <a:r>
+              <a:rPr lang="en-US" sz="2800" b="1" dirty="0">
                 <a:solidFill>
                   <a:srgbClr val="660033"/>
                 </a:solidFill>
                 <a:latin typeface="Microsoft JhengHei" panose="020B0604030504040204" pitchFamily="34" charset="-120"/>
                 <a:ea typeface="Microsoft JhengHei" panose="020B0604030504040204" pitchFamily="34" charset="-120"/>
               </a:rPr>
-              <a:t> </a:t>
-            </a:r>
-            <a:r>
-              <a:rPr lang="en-US" sz="3200" b="1" dirty="0" smtClean="0">
-                <a:solidFill>
-                  <a:srgbClr val="660033"/>
-                </a:solidFill>
-                <a:latin typeface="Microsoft JhengHei" panose="020B0604030504040204" pitchFamily="34" charset="-120"/>
-                <a:ea typeface="Microsoft JhengHei" panose="020B0604030504040204" pitchFamily="34" charset="-120"/>
-              </a:rPr>
-              <a:t>)</a:t>
-            </a:r>
-            <a:endParaRPr lang="vi-VN" sz="3200" b="1" dirty="0">
+              <a:t> )</a:t>
+            </a:r>
+            <a:endParaRPr lang="vi-VN" sz="2800" b="1" dirty="0">
               <a:solidFill>
                 <a:srgbClr val="660033"/>
               </a:solidFill>
+              <a:latin typeface="Microsoft JhengHei" panose="020B0604030504040204" pitchFamily="34" charset="-120"/>
               <a:ea typeface="Microsoft JhengHei" panose="020B0604030504040204" pitchFamily="34" charset="-120"/>
             </a:endParaRPr>
           </a:p>
